--- a/Docs/task02/Task 2.pptx
+++ b/Docs/task02/Task 2.pptx
@@ -5,7 +5,7 @@
     <p:sldMasterId id="2147483701" r:id="rId1"/>
   </p:sldMasterIdLst>
   <p:notesMasterIdLst>
-    <p:notesMasterId r:id="rId22"/>
+    <p:notesMasterId r:id="rId23"/>
   </p:notesMasterIdLst>
   <p:sldIdLst>
     <p:sldId id="256" r:id="rId2"/>
@@ -27,7 +27,8 @@
     <p:sldId id="261" r:id="rId18"/>
     <p:sldId id="274" r:id="rId19"/>
     <p:sldId id="262" r:id="rId20"/>
-    <p:sldId id="275" r:id="rId21"/>
+    <p:sldId id="277" r:id="rId21"/>
+    <p:sldId id="275" r:id="rId22"/>
   </p:sldIdLst>
   <p:sldSz cx="9144000" cy="6858000" type="screen4x3"/>
   <p:notesSz cx="6858000" cy="9144000"/>
@@ -18387,7 +18388,41 @@
           <a:bodyPr/>
           <a:lstStyle/>
           <a:p>
-            <a:endParaRPr lang="de-CH"/>
+            <a:pPr>
+              <a:lnSpc>
+                <a:spcPct val="250000"/>
+              </a:lnSpc>
+            </a:pPr>
+            <a:r>
+              <a:rPr lang="de-CH" dirty="0"/>
+              <a:t>Automatische Nachbestellung von Medikamenten </a:t>
+            </a:r>
+          </a:p>
+          <a:p>
+            <a:pPr>
+              <a:lnSpc>
+                <a:spcPct val="250000"/>
+              </a:lnSpc>
+            </a:pPr>
+            <a:r>
+              <a:rPr lang="de-CH" dirty="0"/>
+              <a:t>Erinnerungsfunktion zur Einnahme der Medikamente </a:t>
+            </a:r>
+          </a:p>
+          <a:p>
+            <a:pPr>
+              <a:lnSpc>
+                <a:spcPct val="250000"/>
+              </a:lnSpc>
+            </a:pPr>
+            <a:r>
+              <a:rPr lang="de-CH" dirty="0"/>
+              <a:t>Terminfunktion </a:t>
+            </a:r>
+            <a:endParaRPr lang="de-DE" dirty="0"/>
+          </a:p>
+          <a:p>
+            <a:endParaRPr lang="de-CH" dirty="0"/>
           </a:p>
         </p:txBody>
       </p:sp>
@@ -18634,6 +18669,157 @@
 </file>
 
 <file path=ppt/slides/slide20.xml><?xml version="1.0" encoding="utf-8"?>
+<p:sld xmlns:a="http://schemas.openxmlformats.org/drawingml/2006/main" xmlns:r="http://schemas.openxmlformats.org/officeDocument/2006/relationships" xmlns:p="http://schemas.openxmlformats.org/presentationml/2006/main">
+  <p:cSld>
+    <p:spTree>
+      <p:nvGrpSpPr>
+        <p:cNvPr id="1" name=""/>
+        <p:cNvGrpSpPr/>
+        <p:nvPr/>
+      </p:nvGrpSpPr>
+      <p:grpSpPr>
+        <a:xfrm>
+          <a:off x="0" y="0"/>
+          <a:ext cx="0" cy="0"/>
+          <a:chOff x="0" y="0"/>
+          <a:chExt cx="0" cy="0"/>
+        </a:xfrm>
+      </p:grpSpPr>
+      <p:sp>
+        <p:nvSpPr>
+          <p:cNvPr id="2" name="Titel 1"/>
+          <p:cNvSpPr>
+            <a:spLocks noGrp="1"/>
+          </p:cNvSpPr>
+          <p:nvPr>
+            <p:ph type="title"/>
+          </p:nvPr>
+        </p:nvSpPr>
+        <p:spPr/>
+        <p:txBody>
+          <a:bodyPr/>
+          <a:lstStyle/>
+          <a:p>
+            <a:r>
+              <a:rPr lang="de-CH" dirty="0" err="1"/>
+              <a:t>Testing</a:t>
+            </a:r>
+            <a:endParaRPr lang="de-CH" dirty="0"/>
+          </a:p>
+        </p:txBody>
+      </p:sp>
+      <p:sp>
+        <p:nvSpPr>
+          <p:cNvPr id="3" name="Inhaltsplatzhalter 2"/>
+          <p:cNvSpPr>
+            <a:spLocks noGrp="1"/>
+          </p:cNvSpPr>
+          <p:nvPr>
+            <p:ph idx="1"/>
+          </p:nvPr>
+        </p:nvSpPr>
+        <p:spPr/>
+        <p:txBody>
+          <a:bodyPr/>
+          <a:lstStyle/>
+          <a:p>
+            <a:pPr>
+              <a:lnSpc>
+                <a:spcPct val="250000"/>
+              </a:lnSpc>
+            </a:pPr>
+            <a:r>
+              <a:rPr lang="de-CH" dirty="0"/>
+              <a:t>Unit-Test</a:t>
+            </a:r>
+          </a:p>
+          <a:p>
+            <a:pPr>
+              <a:lnSpc>
+                <a:spcPct val="250000"/>
+              </a:lnSpc>
+            </a:pPr>
+            <a:r>
+              <a:rPr lang="de-CH" dirty="0"/>
+              <a:t>User-Acceptance-Test</a:t>
+            </a:r>
+          </a:p>
+          <a:p>
+            <a:pPr>
+              <a:lnSpc>
+                <a:spcPct val="250000"/>
+              </a:lnSpc>
+            </a:pPr>
+            <a:r>
+              <a:rPr lang="de-CH" dirty="0"/>
+              <a:t>Usability-Test </a:t>
+            </a:r>
+            <a:endParaRPr lang="de-DE"/>
+          </a:p>
+          <a:p>
+            <a:endParaRPr lang="de-CH"/>
+          </a:p>
+        </p:txBody>
+      </p:sp>
+      <p:sp>
+        <p:nvSpPr>
+          <p:cNvPr id="5" name="Foliennummernplatzhalter 4"/>
+          <p:cNvSpPr>
+            <a:spLocks noGrp="1"/>
+          </p:cNvSpPr>
+          <p:nvPr>
+            <p:ph type="sldNum" sz="quarter" idx="12"/>
+          </p:nvPr>
+        </p:nvSpPr>
+        <p:spPr/>
+        <p:txBody>
+          <a:bodyPr/>
+          <a:lstStyle/>
+          <a:p>
+            <a:fld id="{93072DA9-9F6E-48DE-9778-9BAC4389FBFC}" type="slidenum">
+              <a:rPr lang="de-CH" smtClean="0"/>
+              <a:t>20</a:t>
+            </a:fld>
+            <a:endParaRPr lang="de-CH"/>
+          </a:p>
+        </p:txBody>
+      </p:sp>
+      <p:sp>
+        <p:nvSpPr>
+          <p:cNvPr id="6" name="Fußzeilenplatzhalter 5"/>
+          <p:cNvSpPr>
+            <a:spLocks noGrp="1"/>
+          </p:cNvSpPr>
+          <p:nvPr>
+            <p:ph type="ftr" sz="quarter" idx="11"/>
+          </p:nvPr>
+        </p:nvSpPr>
+        <p:spPr/>
+        <p:txBody>
+          <a:bodyPr/>
+          <a:lstStyle/>
+          <a:p>
+            <a:r>
+              <a:rPr lang="de-CH"/>
+              <a:t>Team Blue</a:t>
+            </a:r>
+          </a:p>
+        </p:txBody>
+      </p:sp>
+    </p:spTree>
+    <p:extLst>
+      <p:ext uri="{BB962C8B-B14F-4D97-AF65-F5344CB8AC3E}">
+        <p14:creationId xmlns:p14="http://schemas.microsoft.com/office/powerpoint/2010/main" val="1282620879"/>
+      </p:ext>
+    </p:extLst>
+  </p:cSld>
+  <p:clrMapOvr>
+    <a:masterClrMapping/>
+  </p:clrMapOvr>
+</p:sld>
+</file>
+
+<file path=ppt/slides/slide21.xml><?xml version="1.0" encoding="utf-8"?>
 <p:sld xmlns:a="http://schemas.openxmlformats.org/drawingml/2006/main" xmlns:r="http://schemas.openxmlformats.org/officeDocument/2006/relationships" xmlns:p="http://schemas.openxmlformats.org/presentationml/2006/main">
   <p:cSld>
     <p:spTree>

--- a/Docs/task02/Task 2.pptx
+++ b/Docs/task02/Task 2.pptx
@@ -17551,10 +17551,6 @@
             <a:br>
               <a:rPr lang="de-CH" sz="1400" b="1" dirty="0"/>
             </a:br>
-            <a:r>
-              <a:rPr lang="de-CH" sz="1400" dirty="0"/>
-              <a:t>Damit Personen eindeutige identifiziert werden können und keine Informationen in falsche Hände geraten, muss eine User Management bestehen.</a:t>
-            </a:r>
             <a:endParaRPr lang="de-DE" sz="1400" dirty="0"/>
           </a:p>
           <a:p>
@@ -17565,11 +17561,7 @@
             <a:br>
               <a:rPr lang="de-CH" sz="1400" b="1" dirty="0"/>
             </a:br>
-            <a:r>
-              <a:rPr lang="de-CH" sz="1400" dirty="0"/>
-              <a:t>Auch für die Patienten braucht es ein Management, damit beispielweise Medikamente korrekt verwaltet werden können.</a:t>
-            </a:r>
-            <a:endParaRPr lang="de-DE" sz="1400" dirty="0"/>
+            <a:endParaRPr lang="de-CH" sz="1400" b="1" dirty="0"/>
           </a:p>
           <a:p>
             <a:r>
@@ -17579,11 +17571,7 @@
             <a:br>
               <a:rPr lang="de-CH" sz="1400" b="1" dirty="0"/>
             </a:br>
-            <a:r>
-              <a:rPr lang="de-CH" sz="1400" dirty="0"/>
-              <a:t>Um eine optimale Verwaltung von Daten zu gewährleisten, wird die Applikation eine Datenbank verwenden wo sich Informationen speichern und abrufen lassen.</a:t>
-            </a:r>
-            <a:endParaRPr lang="de-DE" sz="1400" dirty="0"/>
+            <a:endParaRPr lang="de-CH" sz="1400" b="1" dirty="0"/>
           </a:p>
           <a:p>
             <a:r>
@@ -17593,11 +17581,7 @@
             <a:br>
               <a:rPr lang="de-CH" sz="1400" b="1" dirty="0"/>
             </a:br>
-            <a:r>
-              <a:rPr lang="de-CH" sz="1400" dirty="0"/>
-              <a:t>Text mit Informationen zu Suchtkrankheiten oder Verlinkung zu anderen Webseiten muss eingebettet werden.</a:t>
-            </a:r>
-            <a:endParaRPr lang="de-DE" sz="1400" dirty="0"/>
+            <a:endParaRPr lang="de-CH" sz="1400" b="1" dirty="0"/>
           </a:p>
           <a:p>
             <a:r>
@@ -17607,10 +17591,6 @@
             <a:br>
               <a:rPr lang="de-CH" sz="1400" b="1" dirty="0"/>
             </a:br>
-            <a:r>
-              <a:rPr lang="de-CH" sz="1400" dirty="0"/>
-              <a:t>Daten sollten zusätzlich separat gesichert werden.</a:t>
-            </a:r>
             <a:endParaRPr lang="de-DE" sz="1400" dirty="0"/>
           </a:p>
           <a:p>
@@ -17789,11 +17769,7 @@
             <a:br>
               <a:rPr lang="de-CH" b="1" dirty="0"/>
             </a:br>
-            <a:r>
-              <a:rPr lang="de-CH" sz="1500" dirty="0"/>
-              <a:t>Zentral stehen die verschiedenen Haupt-Menüpunkte, welche in einem benutzerfreundlichen Stil und Grösse angezeigt werden. Informationen werden ebenfalls in möglichst grosser Schrift und gut leserlich dargestellt. Die ganze Applikation sollte selbsterklärend sein und nicht überladen werden.</a:t>
-            </a:r>
-            <a:endParaRPr lang="de-DE" sz="1500" dirty="0"/>
+            <a:endParaRPr lang="de-CH" b="1" dirty="0"/>
           </a:p>
           <a:p>
             <a:r>
@@ -17803,11 +17779,7 @@
             <a:br>
               <a:rPr lang="de-CH" sz="1500" b="1" dirty="0"/>
             </a:br>
-            <a:r>
-              <a:rPr lang="de-CH" sz="1500" dirty="0"/>
-              <a:t>Die Applikation sollte zu jeder Zeit verfügbar sein. </a:t>
-            </a:r>
-            <a:endParaRPr lang="de-DE" sz="1500" dirty="0"/>
+            <a:endParaRPr lang="de-CH" sz="1500" b="1" dirty="0"/>
           </a:p>
           <a:p>
             <a:r>
@@ -17819,7 +17791,7 @@
             </a:br>
             <a:r>
               <a:rPr lang="de-CH" sz="1500" dirty="0"/>
-              <a:t>Die Persönlichen Daten von Patienten und Usern müssen unter allen Umständen geschützt werden. </a:t>
+              <a:t> </a:t>
             </a:r>
             <a:endParaRPr lang="de-DE" sz="1500" dirty="0"/>
           </a:p>
@@ -17829,15 +17801,8 @@
               <a:t>Performance</a:t>
             </a:r>
             <a:br>
-              <a:rPr lang="de-CH" sz="1500" b="1" dirty="0"/>
+              <a:rPr lang="de-CH" sz="1500" b="1"/>
             </a:br>
-            <a:r>
-              <a:rPr lang="de-CH" sz="1500" dirty="0"/>
-              <a:t>Jede neue Ansicht sollte in wenigen Sekunden geladen werden.</a:t>
-            </a:r>
-            <a:endParaRPr lang="de-DE" sz="1500" dirty="0"/>
-          </a:p>
-          <a:p>
             <a:endParaRPr lang="de-DE" dirty="0"/>
           </a:p>
         </p:txBody>

--- a/Docs/task02/Task 2.pptx
+++ b/Docs/task02/Task 2.pptx
@@ -129,10 +129,10 @@
   </p:defaultTextStyle>
   <p:extLst>
     <p:ext uri="{EFAFB233-063F-42B5-8137-9DF3F51BA10A}">
-      <p15:sldGuideLst xmlns:p15="http://schemas.microsoft.com/office/powerpoint/2012/main"/>
+      <p15:sldGuideLst xmlns:p15="http://schemas.microsoft.com/office/powerpoint/2012/main" xmlns=""/>
     </p:ext>
     <p:ext uri="{2D200454-40CA-4A62-9FC3-DE9A4176ACB9}">
-      <p15:notesGuideLst xmlns:p15="http://schemas.microsoft.com/office/powerpoint/2012/main"/>
+      <p15:notesGuideLst xmlns:p15="http://schemas.microsoft.com/office/powerpoint/2012/main" xmlns=""/>
     </p:ext>
   </p:extLst>
 </p:presentation>
@@ -220,7 +220,7 @@
           <a:p>
             <a:fld id="{E4A7A458-E728-4C45-AC5F-BF1ECBD604F4}" type="datetimeFigureOut">
               <a:rPr lang="de-CH" smtClean="0"/>
-              <a:t>16.04.2018</a:t>
+              <a:t>16.04.18</a:t>
             </a:fld>
             <a:endParaRPr lang="de-CH"/>
           </a:p>
@@ -7343,7 +7343,7 @@
           <a:p>
             <a:fld id="{48EA4EFA-D47F-462F-9645-4A2C7B0C008E}" type="datetime1">
               <a:rPr lang="de-CH" smtClean="0"/>
-              <a:t>16.04.2018</a:t>
+              <a:t>16.04.18</a:t>
             </a:fld>
             <a:endParaRPr lang="de-CH"/>
           </a:p>
@@ -7527,7 +7527,7 @@
           <a:p>
             <a:fld id="{5401366C-D8E1-4A1D-9F3A-E8CB5EBC918C}" type="datetime1">
               <a:rPr lang="de-CH" smtClean="0"/>
-              <a:t>16.04.2018</a:t>
+              <a:t>16.04.18</a:t>
             </a:fld>
             <a:endParaRPr lang="de-CH"/>
           </a:p>
@@ -7735,7 +7735,7 @@
           <a:p>
             <a:fld id="{2BAA17AB-ECF0-49FF-B6BF-5ED34EE6CF1F}" type="datetime1">
               <a:rPr lang="de-CH" smtClean="0"/>
-              <a:t>16.04.2018</a:t>
+              <a:t>16.04.18</a:t>
             </a:fld>
             <a:endParaRPr lang="de-CH"/>
           </a:p>
@@ -14476,7 +14476,7 @@
           <a:p>
             <a:fld id="{9FA939F6-F4F6-4289-93D5-9E4F3B02E4D6}" type="datetime1">
               <a:rPr lang="de-CH" smtClean="0"/>
-              <a:t>16.04.2018</a:t>
+              <a:t>16.04.18</a:t>
             </a:fld>
             <a:endParaRPr lang="de-CH"/>
           </a:p>
@@ -14753,7 +14753,7 @@
           <a:p>
             <a:fld id="{1E30F152-E476-443B-8AB6-5804059EE67F}" type="datetime1">
               <a:rPr lang="de-CH" smtClean="0"/>
-              <a:t>16.04.2018</a:t>
+              <a:t>16.04.18</a:t>
             </a:fld>
             <a:endParaRPr lang="de-CH"/>
           </a:p>
@@ -15160,7 +15160,7 @@
           <a:p>
             <a:fld id="{66509C7C-3DC4-4099-BE80-68818C82D6D8}" type="datetime1">
               <a:rPr lang="de-CH" smtClean="0"/>
-              <a:t>16.04.2018</a:t>
+              <a:t>16.04.18</a:t>
             </a:fld>
             <a:endParaRPr lang="de-CH"/>
           </a:p>
@@ -15282,7 +15282,7 @@
           <a:p>
             <a:fld id="{8FAB963B-2EC8-421B-871A-8231F1970420}" type="datetime1">
               <a:rPr lang="de-CH" smtClean="0"/>
-              <a:t>16.04.2018</a:t>
+              <a:t>16.04.18</a:t>
             </a:fld>
             <a:endParaRPr lang="de-CH"/>
           </a:p>
@@ -15381,7 +15381,7 @@
           <a:p>
             <a:fld id="{216D7C7D-9EAF-413C-A37A-A0DE9D748493}" type="datetime1">
               <a:rPr lang="de-CH" smtClean="0"/>
-              <a:t>16.04.2018</a:t>
+              <a:t>16.04.18</a:t>
             </a:fld>
             <a:endParaRPr lang="de-CH"/>
           </a:p>
@@ -15677,7 +15677,7 @@
           <a:p>
             <a:fld id="{9F1F9B50-50D7-413F-AF73-B729280A6E9F}" type="datetime1">
               <a:rPr lang="de-CH" smtClean="0"/>
-              <a:t>16.04.2018</a:t>
+              <a:t>16.04.18</a:t>
             </a:fld>
             <a:endParaRPr lang="de-CH"/>
           </a:p>
@@ -15961,7 +15961,7 @@
           <a:p>
             <a:fld id="{1D22B7AC-6B2E-4813-9F88-C402B02E29B8}" type="datetime1">
               <a:rPr lang="de-CH" smtClean="0"/>
-              <a:t>16.04.2018</a:t>
+              <a:t>16.04.18</a:t>
             </a:fld>
             <a:endParaRPr lang="de-CH"/>
           </a:p>
@@ -16215,7 +16215,7 @@
           <a:p>
             <a:fld id="{A6F7B2E4-FD4D-4ABA-BA68-9C7F9D22BE3B}" type="datetime1">
               <a:rPr lang="de-CH" smtClean="0"/>
-              <a:t>16.04.2018</a:t>
+              <a:t>16.04.18</a:t>
             </a:fld>
             <a:endParaRPr lang="de-CH"/>
           </a:p>
@@ -16734,7 +16734,9 @@
         </p:nvSpPr>
         <p:spPr/>
         <p:txBody>
-          <a:bodyPr/>
+          <a:bodyPr>
+            <a:normAutofit fontScale="90000"/>
+          </a:bodyPr>
           <a:lstStyle/>
           <a:p>
             <a:r>
@@ -16855,7 +16857,7 @@
           </a:prstGeom>
           <a:noFill/>
           <a:extLst>
-            <a:ext uri="{909E8E84-426E-40DD-AFC4-6F175D3DCCD1}">
+            <a:ext uri="{909E8E84-426E-40dd-AFC4-6F175D3DCCD1}">
               <a14:hiddenFill xmlns:a14="http://schemas.microsoft.com/office/drawing/2010/main">
                 <a:solidFill>
                   <a:srgbClr val="FFFFFF"/>
@@ -17488,7 +17490,9 @@
         </p:nvSpPr>
         <p:spPr/>
         <p:txBody>
-          <a:bodyPr/>
+          <a:bodyPr>
+            <a:normAutofit fontScale="90000"/>
+          </a:bodyPr>
           <a:lstStyle/>
           <a:p>
             <a:r>
@@ -17577,6 +17581,10 @@
             <a:r>
               <a:rPr lang="de-CH" sz="1400" b="1" dirty="0" err="1"/>
               <a:t>Documentation</a:t>
+            </a:r>
+            <a:r>
+              <a:rPr lang="de-CH" sz="1400" b="1" dirty="0"/>
+              <a:t/>
             </a:r>
             <a:br>
               <a:rPr lang="de-CH" sz="1400" b="1" dirty="0"/>
@@ -17681,7 +17689,7 @@
           <p:cNvPr id="2" name="Titel 1">
             <a:extLst>
               <a:ext uri="{FF2B5EF4-FFF2-40B4-BE49-F238E27FC236}">
-                <a16:creationId xmlns:a16="http://schemas.microsoft.com/office/drawing/2014/main" id="{DAF29597-90C7-43FE-AF4D-F1008E13BB7A}"/>
+                <a16:creationId xmlns:a16="http://schemas.microsoft.com/office/drawing/2014/main" xmlns="" id="{DAF29597-90C7-43FE-AF4D-F1008E13BB7A}"/>
               </a:ext>
             </a:extLst>
           </p:cNvPr>
@@ -17722,7 +17730,7 @@
           <p:cNvPr id="3" name="Inhaltsplatzhalter 2">
             <a:extLst>
               <a:ext uri="{FF2B5EF4-FFF2-40B4-BE49-F238E27FC236}">
-                <a16:creationId xmlns:a16="http://schemas.microsoft.com/office/drawing/2014/main" id="{41C38108-F7A7-4BE4-A4D7-629C91575438}"/>
+                <a16:creationId xmlns:a16="http://schemas.microsoft.com/office/drawing/2014/main" xmlns="" id="{41C38108-F7A7-4BE4-A4D7-629C91575438}"/>
               </a:ext>
             </a:extLst>
           </p:cNvPr>
@@ -17766,6 +17774,10 @@
               <a:rPr lang="de-CH" sz="1400" b="1" dirty="0"/>
               <a:t>Usability</a:t>
             </a:r>
+            <a:r>
+              <a:rPr lang="de-CH" b="1" dirty="0"/>
+              <a:t/>
+            </a:r>
             <a:br>
               <a:rPr lang="de-CH" b="1" dirty="0"/>
             </a:br>
@@ -17775,6 +17787,10 @@
             <a:r>
               <a:rPr lang="de-CH" sz="1500" b="1" dirty="0" err="1"/>
               <a:t>Availability</a:t>
+            </a:r>
+            <a:r>
+              <a:rPr lang="de-CH" sz="1500" b="1" dirty="0"/>
+              <a:t/>
             </a:r>
             <a:br>
               <a:rPr lang="de-CH" sz="1500" b="1" dirty="0"/>
@@ -17800,6 +17816,10 @@
               <a:rPr lang="de-CH" sz="1500" b="1" dirty="0"/>
               <a:t>Performance</a:t>
             </a:r>
+            <a:r>
+              <a:rPr lang="de-CH" sz="1500" b="1"/>
+              <a:t/>
+            </a:r>
             <a:br>
               <a:rPr lang="de-CH" sz="1500" b="1"/>
             </a:br>
@@ -17812,7 +17832,7 @@
           <p:cNvPr id="4" name="Fußzeilenplatzhalter 3">
             <a:extLst>
               <a:ext uri="{FF2B5EF4-FFF2-40B4-BE49-F238E27FC236}">
-                <a16:creationId xmlns:a16="http://schemas.microsoft.com/office/drawing/2014/main" id="{761DFD1B-EF80-4C8C-AB9E-0590530E283A}"/>
+                <a16:creationId xmlns:a16="http://schemas.microsoft.com/office/drawing/2014/main" xmlns="" id="{761DFD1B-EF80-4C8C-AB9E-0590530E283A}"/>
               </a:ext>
             </a:extLst>
           </p:cNvPr>
@@ -17840,7 +17860,7 @@
           <p:cNvPr id="5" name="Foliennummernplatzhalter 4">
             <a:extLst>
               <a:ext uri="{FF2B5EF4-FFF2-40B4-BE49-F238E27FC236}">
-                <a16:creationId xmlns:a16="http://schemas.microsoft.com/office/drawing/2014/main" id="{97879A5C-1E73-49C3-930F-D6D028029DBE}"/>
+                <a16:creationId xmlns:a16="http://schemas.microsoft.com/office/drawing/2014/main" xmlns="" id="{97879A5C-1E73-49C3-930F-D6D028029DBE}"/>
               </a:ext>
             </a:extLst>
           </p:cNvPr>
@@ -18064,10 +18084,7 @@
           <a:bodyPr/>
           <a:lstStyle/>
           <a:p>
-            <a:r>
-              <a:rPr lang="de-CH" dirty="0"/>
-              <a:t>System Model</a:t>
-            </a:r>
+            <a:endParaRPr lang="de-CH" dirty="0"/>
           </a:p>
         </p:txBody>
       </p:sp>
@@ -18116,25 +18133,34 @@
           </a:p>
         </p:txBody>
       </p:sp>
-      <p:sp>
-        <p:nvSpPr>
-          <p:cNvPr id="7" name="Inhaltsplatzhalter 6"/>
-          <p:cNvSpPr>
-            <a:spLocks noGrp="1"/>
-          </p:cNvSpPr>
+      <p:pic>
+        <p:nvPicPr>
+          <p:cNvPr id="3" name="Inhaltsplatzhalter 2" descr="Screen Shot 2018-04-16 at 19.46.43.png"/>
+          <p:cNvPicPr>
+            <a:picLocks noGrp="1" noChangeAspect="1"/>
+          </p:cNvPicPr>
           <p:nvPr>
             <p:ph idx="1"/>
           </p:nvPr>
-        </p:nvSpPr>
-        <p:spPr/>
-        <p:txBody>
-          <a:bodyPr/>
-          <a:lstStyle/>
-          <a:p>
-            <a:endParaRPr lang="de-CH"/>
-          </a:p>
-        </p:txBody>
-      </p:sp>
+        </p:nvPicPr>
+        <p:blipFill rotWithShape="1">
+          <a:blip r:embed="rId2">
+            <a:extLst>
+              <a:ext uri="{28A0092B-C50C-407E-A947-70E740481C1C}">
+                <a14:useLocalDpi xmlns:a14="http://schemas.microsoft.com/office/drawing/2010/main" val="0"/>
+              </a:ext>
+            </a:extLst>
+          </a:blip>
+          <a:srcRect l="-9393" t="-26000" r="-9841" b="-30372"/>
+          <a:stretch/>
+        </p:blipFill>
+        <p:spPr>
+          <a:xfrm>
+            <a:off x="768096" y="-1783049"/>
+            <a:ext cx="6839609" cy="10723943"/>
+          </a:xfrm>
+        </p:spPr>
+      </p:pic>
     </p:spTree>
     <p:extLst>
       <p:ext uri="{BB962C8B-B14F-4D97-AF65-F5344CB8AC3E}">
@@ -18995,7 +19021,7 @@
           </a:prstGeom>
           <a:noFill/>
           <a:extLst>
-            <a:ext uri="{909E8E84-426E-40DD-AFC4-6F175D3DCCD1}">
+            <a:ext uri="{909E8E84-426E-40dd-AFC4-6F175D3DCCD1}">
               <a14:hiddenFill xmlns:a14="http://schemas.microsoft.com/office/drawing/2010/main">
                 <a:solidFill>
                   <a:srgbClr val="FFFFFF"/>
@@ -20389,7 +20415,7 @@
   <p:timing>
     <p:tnLst>
       <p:par>
-        <p:cTn id="1" dur="indefinite" restart="never" nodeType="tmRoot">
+        <p:cTn xmlns:p14="http://schemas.microsoft.com/office/powerpoint/2010/main" id="1" dur="indefinite" restart="never" nodeType="tmRoot">
           <p:childTnLst>
             <p:seq concurrent="1" nextAc="seek">
               <p:cTn id="2" dur="indefinite" nodeType="mainSeq">
@@ -23128,14 +23154,14 @@
                 <a:gridCol w="1747711">
                   <a:extLst>
                     <a:ext uri="{9D8B030D-6E8A-4147-A177-3AD203B41FA5}">
-                      <a16:colId xmlns:a16="http://schemas.microsoft.com/office/drawing/2014/main" val="2067186096"/>
+                      <a16:colId xmlns:a16="http://schemas.microsoft.com/office/drawing/2014/main" xmlns="" val="2067186096"/>
                     </a:ext>
                   </a:extLst>
                 </a:gridCol>
                 <a:gridCol w="6012942">
                   <a:extLst>
                     <a:ext uri="{9D8B030D-6E8A-4147-A177-3AD203B41FA5}">
-                      <a16:colId xmlns:a16="http://schemas.microsoft.com/office/drawing/2014/main" val="3004943606"/>
+                      <a16:colId xmlns:a16="http://schemas.microsoft.com/office/drawing/2014/main" xmlns="" val="3004943606"/>
                     </a:ext>
                   </a:extLst>
                 </a:gridCol>
@@ -23206,7 +23232,7 @@
                 </a:tc>
                 <a:extLst>
                   <a:ext uri="{0D108BD9-81ED-4DB2-BD59-A6C34878D82A}">
-                    <a16:rowId xmlns:a16="http://schemas.microsoft.com/office/drawing/2014/main" val="2748466227"/>
+                    <a16:rowId xmlns:a16="http://schemas.microsoft.com/office/drawing/2014/main" xmlns="" val="2748466227"/>
                   </a:ext>
                 </a:extLst>
               </a:tr>
@@ -23276,7 +23302,7 @@
                 </a:tc>
                 <a:extLst>
                   <a:ext uri="{0D108BD9-81ED-4DB2-BD59-A6C34878D82A}">
-                    <a16:rowId xmlns:a16="http://schemas.microsoft.com/office/drawing/2014/main" val="2238736759"/>
+                    <a16:rowId xmlns:a16="http://schemas.microsoft.com/office/drawing/2014/main" xmlns="" val="2238736759"/>
                   </a:ext>
                 </a:extLst>
               </a:tr>
@@ -23346,7 +23372,7 @@
                 </a:tc>
                 <a:extLst>
                   <a:ext uri="{0D108BD9-81ED-4DB2-BD59-A6C34878D82A}">
-                    <a16:rowId xmlns:a16="http://schemas.microsoft.com/office/drawing/2014/main" val="1385958006"/>
+                    <a16:rowId xmlns:a16="http://schemas.microsoft.com/office/drawing/2014/main" xmlns="" val="1385958006"/>
                   </a:ext>
                 </a:extLst>
               </a:tr>
@@ -23416,7 +23442,7 @@
                 </a:tc>
                 <a:extLst>
                   <a:ext uri="{0D108BD9-81ED-4DB2-BD59-A6C34878D82A}">
-                    <a16:rowId xmlns:a16="http://schemas.microsoft.com/office/drawing/2014/main" val="4072881246"/>
+                    <a16:rowId xmlns:a16="http://schemas.microsoft.com/office/drawing/2014/main" xmlns="" val="4072881246"/>
                   </a:ext>
                 </a:extLst>
               </a:tr>
@@ -23486,7 +23512,7 @@
                 </a:tc>
                 <a:extLst>
                   <a:ext uri="{0D108BD9-81ED-4DB2-BD59-A6C34878D82A}">
-                    <a16:rowId xmlns:a16="http://schemas.microsoft.com/office/drawing/2014/main" val="726278234"/>
+                    <a16:rowId xmlns:a16="http://schemas.microsoft.com/office/drawing/2014/main" xmlns="" val="726278234"/>
                   </a:ext>
                 </a:extLst>
               </a:tr>
@@ -23556,7 +23582,7 @@
                 </a:tc>
                 <a:extLst>
                   <a:ext uri="{0D108BD9-81ED-4DB2-BD59-A6C34878D82A}">
-                    <a16:rowId xmlns:a16="http://schemas.microsoft.com/office/drawing/2014/main" val="1903746666"/>
+                    <a16:rowId xmlns:a16="http://schemas.microsoft.com/office/drawing/2014/main" xmlns="" val="1903746666"/>
                   </a:ext>
                 </a:extLst>
               </a:tr>
@@ -23962,14 +23988,14 @@
                 <a:gridCol w="1747711">
                   <a:extLst>
                     <a:ext uri="{9D8B030D-6E8A-4147-A177-3AD203B41FA5}">
-                      <a16:colId xmlns:a16="http://schemas.microsoft.com/office/drawing/2014/main" val="2067186096"/>
+                      <a16:colId xmlns:a16="http://schemas.microsoft.com/office/drawing/2014/main" xmlns="" val="2067186096"/>
                     </a:ext>
                   </a:extLst>
                 </a:gridCol>
                 <a:gridCol w="6012942">
                   <a:extLst>
                     <a:ext uri="{9D8B030D-6E8A-4147-A177-3AD203B41FA5}">
-                      <a16:colId xmlns:a16="http://schemas.microsoft.com/office/drawing/2014/main" val="3004943606"/>
+                      <a16:colId xmlns:a16="http://schemas.microsoft.com/office/drawing/2014/main" xmlns="" val="3004943606"/>
                     </a:ext>
                   </a:extLst>
                 </a:gridCol>
@@ -24040,7 +24066,7 @@
                 </a:tc>
                 <a:extLst>
                   <a:ext uri="{0D108BD9-81ED-4DB2-BD59-A6C34878D82A}">
-                    <a16:rowId xmlns:a16="http://schemas.microsoft.com/office/drawing/2014/main" val="2748466227"/>
+                    <a16:rowId xmlns:a16="http://schemas.microsoft.com/office/drawing/2014/main" xmlns="" val="2748466227"/>
                   </a:ext>
                 </a:extLst>
               </a:tr>
@@ -24110,7 +24136,7 @@
                 </a:tc>
                 <a:extLst>
                   <a:ext uri="{0D108BD9-81ED-4DB2-BD59-A6C34878D82A}">
-                    <a16:rowId xmlns:a16="http://schemas.microsoft.com/office/drawing/2014/main" val="2238736759"/>
+                    <a16:rowId xmlns:a16="http://schemas.microsoft.com/office/drawing/2014/main" xmlns="" val="2238736759"/>
                   </a:ext>
                 </a:extLst>
               </a:tr>
@@ -24180,7 +24206,7 @@
                 </a:tc>
                 <a:extLst>
                   <a:ext uri="{0D108BD9-81ED-4DB2-BD59-A6C34878D82A}">
-                    <a16:rowId xmlns:a16="http://schemas.microsoft.com/office/drawing/2014/main" val="1385958006"/>
+                    <a16:rowId xmlns:a16="http://schemas.microsoft.com/office/drawing/2014/main" xmlns="" val="1385958006"/>
                   </a:ext>
                 </a:extLst>
               </a:tr>
@@ -24250,7 +24276,7 @@
                 </a:tc>
                 <a:extLst>
                   <a:ext uri="{0D108BD9-81ED-4DB2-BD59-A6C34878D82A}">
-                    <a16:rowId xmlns:a16="http://schemas.microsoft.com/office/drawing/2014/main" val="4072881246"/>
+                    <a16:rowId xmlns:a16="http://schemas.microsoft.com/office/drawing/2014/main" xmlns="" val="4072881246"/>
                   </a:ext>
                 </a:extLst>
               </a:tr>
@@ -24320,7 +24346,7 @@
                 </a:tc>
                 <a:extLst>
                   <a:ext uri="{0D108BD9-81ED-4DB2-BD59-A6C34878D82A}">
-                    <a16:rowId xmlns:a16="http://schemas.microsoft.com/office/drawing/2014/main" val="726278234"/>
+                    <a16:rowId xmlns:a16="http://schemas.microsoft.com/office/drawing/2014/main" xmlns="" val="726278234"/>
                   </a:ext>
                 </a:extLst>
               </a:tr>
@@ -24390,7 +24416,7 @@
                 </a:tc>
                 <a:extLst>
                   <a:ext uri="{0D108BD9-81ED-4DB2-BD59-A6C34878D82A}">
-                    <a16:rowId xmlns:a16="http://schemas.microsoft.com/office/drawing/2014/main" val="1903746666"/>
+                    <a16:rowId xmlns:a16="http://schemas.microsoft.com/office/drawing/2014/main" xmlns="" val="1903746666"/>
                   </a:ext>
                 </a:extLst>
               </a:tr>
@@ -24454,7 +24480,7 @@
     </a:clrScheme>
     <a:fontScheme name="Integral">
       <a:majorFont>
-        <a:latin typeface="Tw Cen MT Condensed" panose="020B0606020104020203"/>
+        <a:latin typeface="Tw Cen MT Condensed"/>
         <a:ea typeface=""/>
         <a:cs typeface=""/>
         <a:font script="Grek" typeface="Calibri"/>
@@ -24491,7 +24517,7 @@
         <a:font script="Geor" typeface="Sylfaen"/>
       </a:majorFont>
       <a:minorFont>
-        <a:latin typeface="Tw Cen MT" panose="020B0602020104020603"/>
+        <a:latin typeface="Tw Cen MT"/>
         <a:ea typeface=""/>
         <a:cs typeface=""/>
         <a:font script="Grek" typeface="Calibri"/>
@@ -24673,7 +24699,7 @@
   <a:extraClrSchemeLst/>
   <a:extLst>
     <a:ext uri="{05A4C25C-085E-4340-85A3-A5531E510DB2}">
-      <thm15:themeFamily xmlns:thm15="http://schemas.microsoft.com/office/thememl/2012/main" name="Integral" id="{3577F8C9-A904-41D8-97D2-FD898F53F20E}" vid="{682D6EBE-8D36-4FF2-9DB3-F3D8D7B6715D}"/>
+      <thm15:themeFamily xmlns:thm15="http://schemas.microsoft.com/office/thememl/2012/main" xmlns="" name="Integral" id="{3577F8C9-A904-41D8-97D2-FD898F53F20E}" vid="{682D6EBE-8D36-4FF2-9DB3-F3D8D7B6715D}"/>
     </a:ext>
   </a:extLst>
 </a:theme>
@@ -24722,7 +24748,7 @@
     </a:clrScheme>
     <a:fontScheme name="Office">
       <a:majorFont>
-        <a:latin typeface="Calibri Light" panose="020F0302020204030204"/>
+        <a:latin typeface="Calibri Light"/>
         <a:ea typeface=""/>
         <a:cs typeface=""/>
         <a:font script="Jpan" typeface="ＭＳ Ｐゴシック"/>
@@ -24757,7 +24783,7 @@
         <a:font script="Geor" typeface="Sylfaen"/>
       </a:majorFont>
       <a:minorFont>
-        <a:latin typeface="Calibri" panose="020F0502020204030204"/>
+        <a:latin typeface="Calibri"/>
         <a:ea typeface=""/>
         <a:cs typeface=""/>
         <a:font script="Jpan" typeface="ＭＳ Ｐゴシック"/>
@@ -24934,7 +24960,7 @@
   <a:extraClrSchemeLst/>
   <a:extLst>
     <a:ext uri="{05A4C25C-085E-4340-85A3-A5531E510DB2}">
-      <thm15:themeFamily xmlns:thm15="http://schemas.microsoft.com/office/thememl/2012/main" name="Office Theme" id="{62F939B6-93AF-4DB8-9C6B-D6C7DFDC589F}" vid="{4A3C46E8-61CC-4603-A589-7422A47A8E4A}"/>
+      <thm15:themeFamily xmlns:thm15="http://schemas.microsoft.com/office/thememl/2012/main" xmlns="" name="Office Theme" id="{62F939B6-93AF-4DB8-9C6B-D6C7DFDC589F}" vid="{4A3C46E8-61CC-4603-A589-7422A47A8E4A}"/>
     </a:ext>
   </a:extLst>
 </a:theme>

--- a/Docs/task02/Task 2.pptx
+++ b/Docs/task02/Task 2.pptx
@@ -5,7 +5,7 @@
     <p:sldMasterId id="2147483701" r:id="rId1"/>
   </p:sldMasterIdLst>
   <p:notesMasterIdLst>
-    <p:notesMasterId r:id="rId23"/>
+    <p:notesMasterId r:id="rId24"/>
   </p:notesMasterIdLst>
   <p:sldIdLst>
     <p:sldId id="256" r:id="rId2"/>
@@ -28,7 +28,8 @@
     <p:sldId id="274" r:id="rId19"/>
     <p:sldId id="262" r:id="rId20"/>
     <p:sldId id="277" r:id="rId21"/>
-    <p:sldId id="275" r:id="rId22"/>
+    <p:sldId id="278" r:id="rId22"/>
+    <p:sldId id="275" r:id="rId23"/>
   </p:sldIdLst>
   <p:sldSz cx="9144000" cy="6858000" type="screen4x3"/>
   <p:notesSz cx="6858000" cy="9144000"/>
@@ -17327,7 +17328,9 @@
         </p:nvSpPr>
         <p:spPr/>
         <p:txBody>
-          <a:bodyPr/>
+          <a:bodyPr>
+            <a:normAutofit fontScale="90000"/>
+          </a:bodyPr>
           <a:lstStyle/>
           <a:p>
             <a:r>
@@ -17702,7 +17705,9 @@
         </p:nvSpPr>
         <p:spPr/>
         <p:txBody>
-          <a:bodyPr/>
+          <a:bodyPr>
+            <a:normAutofit fontScale="90000"/>
+          </a:bodyPr>
           <a:lstStyle/>
           <a:p>
             <a:r>
@@ -18827,6 +18832,198 @@
           <a:chExt cx="0" cy="0"/>
         </a:xfrm>
       </p:grpSpPr>
+      <p:sp>
+        <p:nvSpPr>
+          <p:cNvPr id="2" name="Titel 1"/>
+          <p:cNvSpPr>
+            <a:spLocks noGrp="1"/>
+          </p:cNvSpPr>
+          <p:nvPr>
+            <p:ph type="title"/>
+          </p:nvPr>
+        </p:nvSpPr>
+        <p:spPr/>
+        <p:txBody>
+          <a:bodyPr/>
+          <a:lstStyle/>
+          <a:p>
+            <a:pPr lvl="0"/>
+            <a:r>
+              <a:rPr lang="de-CH" b="1" smtClean="0"/>
+              <a:t>Appendices</a:t>
+            </a:r>
+            <a:endParaRPr lang="de-DE" dirty="0"/>
+          </a:p>
+        </p:txBody>
+      </p:sp>
+      <p:sp>
+        <p:nvSpPr>
+          <p:cNvPr id="3" name="Inhaltsplatzhalter 2"/>
+          <p:cNvSpPr>
+            <a:spLocks noGrp="1"/>
+          </p:cNvSpPr>
+          <p:nvPr>
+            <p:ph idx="1"/>
+          </p:nvPr>
+        </p:nvSpPr>
+        <p:spPr/>
+        <p:txBody>
+          <a:bodyPr>
+            <a:normAutofit lnSpcReduction="10000"/>
+          </a:bodyPr>
+          <a:lstStyle/>
+          <a:p>
+            <a:r>
+              <a:rPr lang="de-CH" dirty="0"/>
+              <a:t>Die Anforderungen an den Endbenutzer sind minimal. Er muss ein Gerät mit einem aktuellen Web-Browser besitzen, beispielsweise Laptop, Smartphone, </a:t>
+            </a:r>
+            <a:r>
+              <a:rPr lang="de-CH" dirty="0" err="1"/>
+              <a:t>Tablet</a:t>
+            </a:r>
+            <a:r>
+              <a:rPr lang="de-CH" dirty="0"/>
+              <a:t> oder Desktop-PC</a:t>
+            </a:r>
+          </a:p>
+          <a:p>
+            <a:r>
+              <a:rPr lang="de-CH" dirty="0"/>
+              <a:t>Für unser System benötigen wir:</a:t>
+            </a:r>
+          </a:p>
+          <a:p>
+            <a:pPr lvl="0"/>
+            <a:r>
+              <a:rPr lang="de-CH" dirty="0"/>
+              <a:t>Web Server mit Datenbank</a:t>
+            </a:r>
+          </a:p>
+          <a:p>
+            <a:pPr lvl="0"/>
+            <a:r>
+              <a:rPr lang="de-CH" dirty="0"/>
+              <a:t>Verschlüsselung der Datenbank</a:t>
+            </a:r>
+          </a:p>
+          <a:p>
+            <a:pPr lvl="0"/>
+            <a:r>
+              <a:rPr lang="de-CH" dirty="0"/>
+              <a:t>Eine öffentliche Domain (DNS Name)</a:t>
+            </a:r>
+          </a:p>
+          <a:p>
+            <a:pPr lvl="0"/>
+            <a:r>
+              <a:rPr lang="de-CH" dirty="0"/>
+              <a:t>Genügend Speicher für die Daten und Abfragen</a:t>
+            </a:r>
+          </a:p>
+          <a:p>
+            <a:pPr lvl="0"/>
+            <a:r>
+              <a:rPr lang="de-CH" dirty="0" err="1"/>
+              <a:t>Virtualisierung</a:t>
+            </a:r>
+            <a:r>
+              <a:rPr lang="de-CH" dirty="0"/>
+              <a:t> von Vorteil da skalierbar</a:t>
+            </a:r>
+          </a:p>
+          <a:p>
+            <a:pPr lvl="0"/>
+            <a:r>
+              <a:rPr lang="de-CH" dirty="0"/>
+              <a:t>Eventuell Outsourcing in die </a:t>
+            </a:r>
+            <a:r>
+              <a:rPr lang="de-CH" dirty="0" err="1"/>
+              <a:t>Cloud</a:t>
+            </a:r>
+            <a:endParaRPr lang="de-CH" dirty="0"/>
+          </a:p>
+          <a:p>
+            <a:endParaRPr lang="de-DE" dirty="0"/>
+          </a:p>
+        </p:txBody>
+      </p:sp>
+      <p:sp>
+        <p:nvSpPr>
+          <p:cNvPr id="4" name="Fußzeilenplatzhalter 3"/>
+          <p:cNvSpPr>
+            <a:spLocks noGrp="1"/>
+          </p:cNvSpPr>
+          <p:nvPr>
+            <p:ph type="ftr" sz="quarter" idx="11"/>
+          </p:nvPr>
+        </p:nvSpPr>
+        <p:spPr/>
+        <p:txBody>
+          <a:bodyPr/>
+          <a:lstStyle/>
+          <a:p>
+            <a:r>
+              <a:rPr lang="de-CH" smtClean="0"/>
+              <a:t>Team Blue</a:t>
+            </a:r>
+            <a:endParaRPr lang="de-CH"/>
+          </a:p>
+        </p:txBody>
+      </p:sp>
+      <p:sp>
+        <p:nvSpPr>
+          <p:cNvPr id="5" name="Foliennummernplatzhalter 4"/>
+          <p:cNvSpPr>
+            <a:spLocks noGrp="1"/>
+          </p:cNvSpPr>
+          <p:nvPr>
+            <p:ph type="sldNum" sz="quarter" idx="12"/>
+          </p:nvPr>
+        </p:nvSpPr>
+        <p:spPr/>
+        <p:txBody>
+          <a:bodyPr/>
+          <a:lstStyle/>
+          <a:p>
+            <a:fld id="{93072DA9-9F6E-48DE-9778-9BAC4389FBFC}" type="slidenum">
+              <a:rPr lang="de-CH" smtClean="0"/>
+              <a:t>21</a:t>
+            </a:fld>
+            <a:endParaRPr lang="de-CH"/>
+          </a:p>
+        </p:txBody>
+      </p:sp>
+    </p:spTree>
+    <p:extLst>
+      <p:ext uri="{BB962C8B-B14F-4D97-AF65-F5344CB8AC3E}">
+        <p14:creationId xmlns:p14="http://schemas.microsoft.com/office/powerpoint/2010/main" val="3179142752"/>
+      </p:ext>
+    </p:extLst>
+  </p:cSld>
+  <p:clrMapOvr>
+    <a:masterClrMapping/>
+  </p:clrMapOvr>
+</p:sld>
+</file>
+
+<file path=ppt/slides/slide22.xml><?xml version="1.0" encoding="utf-8"?>
+<p:sld xmlns:a="http://schemas.openxmlformats.org/drawingml/2006/main" xmlns:r="http://schemas.openxmlformats.org/officeDocument/2006/relationships" xmlns:p="http://schemas.openxmlformats.org/presentationml/2006/main">
+  <p:cSld>
+    <p:spTree>
+      <p:nvGrpSpPr>
+        <p:cNvPr id="1" name=""/>
+        <p:cNvGrpSpPr/>
+        <p:nvPr/>
+      </p:nvGrpSpPr>
+      <p:grpSpPr>
+        <a:xfrm>
+          <a:off x="0" y="0"/>
+          <a:ext cx="0" cy="0"/>
+          <a:chOff x="0" y="0"/>
+          <a:chExt cx="0" cy="0"/>
+        </a:xfrm>
+      </p:grpSpPr>
       <p:pic>
         <p:nvPicPr>
           <p:cNvPr id="4" name="Grafik 3"/>
@@ -18899,7 +19096,9 @@
         </p:nvSpPr>
         <p:spPr/>
         <p:txBody>
-          <a:bodyPr/>
+          <a:bodyPr>
+            <a:normAutofit fontScale="90000"/>
+          </a:bodyPr>
           <a:lstStyle/>
           <a:p>
             <a:r>

--- a/Docs/task02/Task 2.pptx
+++ b/Docs/task02/Task 2.pptx
@@ -130,10 +130,21 @@
   </p:defaultTextStyle>
   <p:extLst>
     <p:ext uri="{EFAFB233-063F-42B5-8137-9DF3F51BA10A}">
-      <p15:sldGuideLst xmlns:p15="http://schemas.microsoft.com/office/powerpoint/2012/main" xmlns=""/>
+      <p15:sldGuideLst xmlns:p15="http://schemas.microsoft.com/office/powerpoint/2012/main">
+        <p15:guide id="1" orient="horz" pos="2160">
+          <p15:clr>
+            <a:srgbClr val="A4A3A4"/>
+          </p15:clr>
+        </p15:guide>
+        <p15:guide id="2" pos="2880">
+          <p15:clr>
+            <a:srgbClr val="A4A3A4"/>
+          </p15:clr>
+        </p15:guide>
+      </p15:sldGuideLst>
     </p:ext>
     <p:ext uri="{2D200454-40CA-4A62-9FC3-DE9A4176ACB9}">
-      <p15:notesGuideLst xmlns:p15="http://schemas.microsoft.com/office/powerpoint/2012/main" xmlns=""/>
+      <p15:notesGuideLst xmlns:p15="http://schemas.microsoft.com/office/powerpoint/2012/main"/>
     </p:ext>
   </p:extLst>
 </p:presentation>
@@ -221,7 +232,7 @@
           <a:p>
             <a:fld id="{E4A7A458-E728-4C45-AC5F-BF1ECBD604F4}" type="datetimeFigureOut">
               <a:rPr lang="de-CH" smtClean="0"/>
-              <a:t>16.04.18</a:t>
+              <a:t>16.04.2018</a:t>
             </a:fld>
             <a:endParaRPr lang="de-CH"/>
           </a:p>
@@ -7344,7 +7355,7 @@
           <a:p>
             <a:fld id="{48EA4EFA-D47F-462F-9645-4A2C7B0C008E}" type="datetime1">
               <a:rPr lang="de-CH" smtClean="0"/>
-              <a:t>16.04.18</a:t>
+              <a:t>16.04.2018</a:t>
             </a:fld>
             <a:endParaRPr lang="de-CH"/>
           </a:p>
@@ -7528,7 +7539,7 @@
           <a:p>
             <a:fld id="{5401366C-D8E1-4A1D-9F3A-E8CB5EBC918C}" type="datetime1">
               <a:rPr lang="de-CH" smtClean="0"/>
-              <a:t>16.04.18</a:t>
+              <a:t>16.04.2018</a:t>
             </a:fld>
             <a:endParaRPr lang="de-CH"/>
           </a:p>
@@ -7736,7 +7747,7 @@
           <a:p>
             <a:fld id="{2BAA17AB-ECF0-49FF-B6BF-5ED34EE6CF1F}" type="datetime1">
               <a:rPr lang="de-CH" smtClean="0"/>
-              <a:t>16.04.18</a:t>
+              <a:t>16.04.2018</a:t>
             </a:fld>
             <a:endParaRPr lang="de-CH"/>
           </a:p>
@@ -14477,7 +14488,7 @@
           <a:p>
             <a:fld id="{9FA939F6-F4F6-4289-93D5-9E4F3B02E4D6}" type="datetime1">
               <a:rPr lang="de-CH" smtClean="0"/>
-              <a:t>16.04.18</a:t>
+              <a:t>16.04.2018</a:t>
             </a:fld>
             <a:endParaRPr lang="de-CH"/>
           </a:p>
@@ -14754,7 +14765,7 @@
           <a:p>
             <a:fld id="{1E30F152-E476-443B-8AB6-5804059EE67F}" type="datetime1">
               <a:rPr lang="de-CH" smtClean="0"/>
-              <a:t>16.04.18</a:t>
+              <a:t>16.04.2018</a:t>
             </a:fld>
             <a:endParaRPr lang="de-CH"/>
           </a:p>
@@ -15161,7 +15172,7 @@
           <a:p>
             <a:fld id="{66509C7C-3DC4-4099-BE80-68818C82D6D8}" type="datetime1">
               <a:rPr lang="de-CH" smtClean="0"/>
-              <a:t>16.04.18</a:t>
+              <a:t>16.04.2018</a:t>
             </a:fld>
             <a:endParaRPr lang="de-CH"/>
           </a:p>
@@ -15283,7 +15294,7 @@
           <a:p>
             <a:fld id="{8FAB963B-2EC8-421B-871A-8231F1970420}" type="datetime1">
               <a:rPr lang="de-CH" smtClean="0"/>
-              <a:t>16.04.18</a:t>
+              <a:t>16.04.2018</a:t>
             </a:fld>
             <a:endParaRPr lang="de-CH"/>
           </a:p>
@@ -15382,7 +15393,7 @@
           <a:p>
             <a:fld id="{216D7C7D-9EAF-413C-A37A-A0DE9D748493}" type="datetime1">
               <a:rPr lang="de-CH" smtClean="0"/>
-              <a:t>16.04.18</a:t>
+              <a:t>16.04.2018</a:t>
             </a:fld>
             <a:endParaRPr lang="de-CH"/>
           </a:p>
@@ -15678,7 +15689,7 @@
           <a:p>
             <a:fld id="{9F1F9B50-50D7-413F-AF73-B729280A6E9F}" type="datetime1">
               <a:rPr lang="de-CH" smtClean="0"/>
-              <a:t>16.04.18</a:t>
+              <a:t>16.04.2018</a:t>
             </a:fld>
             <a:endParaRPr lang="de-CH"/>
           </a:p>
@@ -15962,7 +15973,7 @@
           <a:p>
             <a:fld id="{1D22B7AC-6B2E-4813-9F88-C402B02E29B8}" type="datetime1">
               <a:rPr lang="de-CH" smtClean="0"/>
-              <a:t>16.04.18</a:t>
+              <a:t>16.04.2018</a:t>
             </a:fld>
             <a:endParaRPr lang="de-CH"/>
           </a:p>
@@ -16216,7 +16227,7 @@
           <a:p>
             <a:fld id="{A6F7B2E4-FD4D-4ABA-BA68-9C7F9D22BE3B}" type="datetime1">
               <a:rPr lang="de-CH" smtClean="0"/>
-              <a:t>16.04.18</a:t>
+              <a:t>16.04.2018</a:t>
             </a:fld>
             <a:endParaRPr lang="de-CH"/>
           </a:p>
@@ -16736,7 +16747,7 @@
         <p:spPr/>
         <p:txBody>
           <a:bodyPr>
-            <a:normAutofit fontScale="90000"/>
+            <a:normAutofit/>
           </a:bodyPr>
           <a:lstStyle/>
           <a:p>
@@ -16859,7 +16870,7 @@
           <a:noFill/>
           <a:extLst>
             <a:ext uri="{909E8E84-426E-40dd-AFC4-6F175D3DCCD1}">
-              <a14:hiddenFill xmlns:a14="http://schemas.microsoft.com/office/drawing/2010/main">
+              <a14:hiddenFill xmlns:a14="http://schemas.microsoft.com/office/drawing/2010/main" xmlns="">
                 <a:solidFill>
                   <a:srgbClr val="FFFFFF"/>
                 </a:solidFill>
@@ -16878,6 +16889,13 @@
   <p:clrMapOvr>
     <a:masterClrMapping/>
   </p:clrMapOvr>
+  <p:timing>
+    <p:tnLst>
+      <p:par>
+        <p:cTn id="1" dur="indefinite" restart="never" nodeType="tmRoot"/>
+      </p:par>
+    </p:tnLst>
+  </p:timing>
 </p:sld>
 </file>
 
@@ -17015,6 +17033,13 @@
   <p:clrMapOvr>
     <a:masterClrMapping/>
   </p:clrMapOvr>
+  <p:timing>
+    <p:tnLst>
+      <p:par>
+        <p:cTn id="1" dur="indefinite" restart="never" nodeType="tmRoot"/>
+      </p:par>
+    </p:tnLst>
+  </p:timing>
 </p:sld>
 </file>
 
@@ -17175,6 +17200,13 @@
   <p:clrMapOvr>
     <a:masterClrMapping/>
   </p:clrMapOvr>
+  <p:timing>
+    <p:tnLst>
+      <p:par>
+        <p:cTn id="1" dur="indefinite" restart="never" nodeType="tmRoot"/>
+      </p:par>
+    </p:tnLst>
+  </p:timing>
 </p:sld>
 </file>
 
@@ -17237,7 +17269,7 @@
           <a:bodyPr/>
           <a:lstStyle/>
           <a:p>
-            <a:endParaRPr lang="de-CH"/>
+            <a:endParaRPr lang="de-CH" dirty="0"/>
           </a:p>
         </p:txBody>
       </p:sp>
@@ -17286,6 +17318,609 @@
           </a:p>
         </p:txBody>
       </p:sp>
+      <p:grpSp>
+        <p:nvGrpSpPr>
+          <p:cNvPr id="7" name="Gruppieren 6"/>
+          <p:cNvGrpSpPr/>
+          <p:nvPr/>
+        </p:nvGrpSpPr>
+        <p:grpSpPr>
+          <a:xfrm>
+            <a:off x="597499" y="2590529"/>
+            <a:ext cx="8205307" cy="1797226"/>
+            <a:chOff x="0" y="0"/>
+            <a:chExt cx="5738775" cy="1404000"/>
+          </a:xfrm>
+        </p:grpSpPr>
+        <p:grpSp>
+          <p:nvGrpSpPr>
+            <p:cNvPr id="8" name="Gruppieren 7"/>
+            <p:cNvGrpSpPr/>
+            <p:nvPr/>
+          </p:nvGrpSpPr>
+          <p:grpSpPr>
+            <a:xfrm>
+              <a:off x="0" y="0"/>
+              <a:ext cx="1062000" cy="1404000"/>
+              <a:chOff x="0" y="0"/>
+              <a:chExt cx="1062000" cy="1404000"/>
+            </a:xfrm>
+          </p:grpSpPr>
+          <p:sp>
+            <p:nvSpPr>
+              <p:cNvPr id="21" name="Rechteck 20"/>
+              <p:cNvSpPr/>
+              <p:nvPr/>
+            </p:nvSpPr>
+            <p:spPr>
+              <a:xfrm>
+                <a:off x="0" y="0"/>
+                <a:ext cx="1062000" cy="1404000"/>
+              </a:xfrm>
+              <a:prstGeom prst="rect">
+                <a:avLst/>
+              </a:prstGeom>
+              <a:solidFill>
+                <a:schemeClr val="accent1">
+                  <a:lumMod val="50000"/>
+                </a:schemeClr>
+              </a:solidFill>
+              <a:ln w="19050"/>
+            </p:spPr>
+            <p:style>
+              <a:lnRef idx="2">
+                <a:schemeClr val="accent1">
+                  <a:shade val="50000"/>
+                </a:schemeClr>
+              </a:lnRef>
+              <a:fillRef idx="1">
+                <a:schemeClr val="accent1"/>
+              </a:fillRef>
+              <a:effectRef idx="0">
+                <a:schemeClr val="accent1"/>
+              </a:effectRef>
+              <a:fontRef idx="minor">
+                <a:schemeClr val="lt1"/>
+              </a:fontRef>
+            </p:style>
+            <p:txBody>
+              <a:bodyPr rot="0" spcFirstLastPara="0" vert="horz" wrap="square" lIns="91440" tIns="45720" rIns="91440" bIns="45720" numCol="1" spcCol="0" rtlCol="0" fromWordArt="0" anchor="t" anchorCtr="0" forceAA="0" compatLnSpc="1">
+                <a:prstTxWarp prst="textNoShape">
+                  <a:avLst/>
+                </a:prstTxWarp>
+                <a:noAutofit/>
+              </a:bodyPr>
+              <a:lstStyle/>
+              <a:p>
+                <a:pPr algn="ctr">
+                  <a:lnSpc>
+                    <a:spcPct val="107000"/>
+                  </a:lnSpc>
+                  <a:spcAft>
+                    <a:spcPts val="800"/>
+                  </a:spcAft>
+                </a:pPr>
+                <a:r>
+                  <a:rPr lang="de-CH" sz="1600">
+                    <a:effectLst/>
+                    <a:ea typeface="Calibri" panose="020F0502020204030204" pitchFamily="34" charset="0"/>
+                    <a:cs typeface="Times New Roman" panose="02020603050405020304" pitchFamily="18" charset="0"/>
+                  </a:rPr>
+                  <a:t>Devices</a:t>
+                </a:r>
+                <a:endParaRPr lang="de-CH" sz="1100">
+                  <a:effectLst/>
+                  <a:ea typeface="Calibri" panose="020F0502020204030204" pitchFamily="34" charset="0"/>
+                  <a:cs typeface="Times New Roman" panose="02020603050405020304" pitchFamily="18" charset="0"/>
+                </a:endParaRPr>
+              </a:p>
+            </p:txBody>
+          </p:sp>
+          <p:pic>
+            <p:nvPicPr>
+              <p:cNvPr id="22" name="Grafik 21"/>
+              <p:cNvPicPr>
+                <a:picLocks noChangeAspect="1"/>
+              </p:cNvPicPr>
+              <p:nvPr/>
+            </p:nvPicPr>
+            <p:blipFill>
+              <a:blip r:embed="rId2" cstate="print">
+                <a:extLst>
+                  <a:ext uri="{28A0092B-C50C-407E-A947-70E740481C1C}">
+                    <a14:useLocalDpi xmlns:a14="http://schemas.microsoft.com/office/drawing/2010/main" val="0"/>
+                  </a:ext>
+                </a:extLst>
+              </a:blip>
+              <a:stretch>
+                <a:fillRect/>
+              </a:stretch>
+            </p:blipFill>
+            <p:spPr>
+              <a:xfrm>
+                <a:off x="47625" y="438150"/>
+                <a:ext cx="966470" cy="695325"/>
+              </a:xfrm>
+              <a:prstGeom prst="rect">
+                <a:avLst/>
+              </a:prstGeom>
+            </p:spPr>
+          </p:pic>
+        </p:grpSp>
+        <p:grpSp>
+          <p:nvGrpSpPr>
+            <p:cNvPr id="9" name="Gruppieren 8"/>
+            <p:cNvGrpSpPr/>
+            <p:nvPr/>
+          </p:nvGrpSpPr>
+          <p:grpSpPr>
+            <a:xfrm>
+              <a:off x="1566862" y="0"/>
+              <a:ext cx="1062000" cy="1404000"/>
+              <a:chOff x="0" y="0"/>
+              <a:chExt cx="1062000" cy="1404000"/>
+            </a:xfrm>
+          </p:grpSpPr>
+          <p:sp>
+            <p:nvSpPr>
+              <p:cNvPr id="19" name="Rechteck 18"/>
+              <p:cNvSpPr/>
+              <p:nvPr/>
+            </p:nvSpPr>
+            <p:spPr>
+              <a:xfrm>
+                <a:off x="0" y="0"/>
+                <a:ext cx="1062000" cy="1404000"/>
+              </a:xfrm>
+              <a:prstGeom prst="rect">
+                <a:avLst/>
+              </a:prstGeom>
+              <a:solidFill>
+                <a:schemeClr val="accent1">
+                  <a:lumMod val="50000"/>
+                </a:schemeClr>
+              </a:solidFill>
+              <a:ln w="19050"/>
+            </p:spPr>
+            <p:style>
+              <a:lnRef idx="2">
+                <a:schemeClr val="accent1">
+                  <a:shade val="50000"/>
+                </a:schemeClr>
+              </a:lnRef>
+              <a:fillRef idx="1">
+                <a:schemeClr val="accent1"/>
+              </a:fillRef>
+              <a:effectRef idx="0">
+                <a:schemeClr val="accent1"/>
+              </a:effectRef>
+              <a:fontRef idx="minor">
+                <a:schemeClr val="lt1"/>
+              </a:fontRef>
+            </p:style>
+            <p:txBody>
+              <a:bodyPr rot="0" spcFirstLastPara="0" vert="horz" wrap="square" lIns="91440" tIns="45720" rIns="91440" bIns="45720" numCol="1" spcCol="0" rtlCol="0" fromWordArt="0" anchor="t" anchorCtr="0" forceAA="0" compatLnSpc="1">
+                <a:prstTxWarp prst="textNoShape">
+                  <a:avLst/>
+                </a:prstTxWarp>
+                <a:noAutofit/>
+              </a:bodyPr>
+              <a:lstStyle/>
+              <a:p>
+                <a:pPr algn="ctr">
+                  <a:lnSpc>
+                    <a:spcPct val="107000"/>
+                  </a:lnSpc>
+                  <a:spcAft>
+                    <a:spcPts val="800"/>
+                  </a:spcAft>
+                </a:pPr>
+                <a:r>
+                  <a:rPr lang="de-CH" sz="1500">
+                    <a:effectLst/>
+                    <a:ea typeface="Calibri" panose="020F0502020204030204" pitchFamily="34" charset="0"/>
+                    <a:cs typeface="Times New Roman" panose="02020603050405020304" pitchFamily="18" charset="0"/>
+                  </a:rPr>
+                  <a:t>Webserver</a:t>
+                </a:r>
+                <a:endParaRPr lang="de-CH" sz="1100">
+                  <a:effectLst/>
+                  <a:ea typeface="Calibri" panose="020F0502020204030204" pitchFamily="34" charset="0"/>
+                  <a:cs typeface="Times New Roman" panose="02020603050405020304" pitchFamily="18" charset="0"/>
+                </a:endParaRPr>
+              </a:p>
+            </p:txBody>
+          </p:sp>
+          <p:pic>
+            <p:nvPicPr>
+              <p:cNvPr id="20" name="Grafik 19"/>
+              <p:cNvPicPr>
+                <a:picLocks noChangeAspect="1"/>
+              </p:cNvPicPr>
+              <p:nvPr/>
+            </p:nvPicPr>
+            <p:blipFill>
+              <a:blip r:embed="rId3" cstate="print">
+                <a:extLst>
+                  <a:ext uri="{28A0092B-C50C-407E-A947-70E740481C1C}">
+                    <a14:useLocalDpi xmlns:a14="http://schemas.microsoft.com/office/drawing/2010/main" val="0"/>
+                  </a:ext>
+                </a:extLst>
+              </a:blip>
+              <a:stretch>
+                <a:fillRect/>
+              </a:stretch>
+            </p:blipFill>
+            <p:spPr>
+              <a:xfrm>
+                <a:off x="252413" y="476250"/>
+                <a:ext cx="623570" cy="747395"/>
+              </a:xfrm>
+              <a:prstGeom prst="rect">
+                <a:avLst/>
+              </a:prstGeom>
+            </p:spPr>
+          </p:pic>
+        </p:grpSp>
+        <p:grpSp>
+          <p:nvGrpSpPr>
+            <p:cNvPr id="10" name="Gruppieren 9"/>
+            <p:cNvGrpSpPr/>
+            <p:nvPr/>
+          </p:nvGrpSpPr>
+          <p:grpSpPr>
+            <a:xfrm>
+              <a:off x="3124200" y="0"/>
+              <a:ext cx="1061720" cy="1403985"/>
+              <a:chOff x="0" y="0"/>
+              <a:chExt cx="1061720" cy="1403985"/>
+            </a:xfrm>
+          </p:grpSpPr>
+          <p:sp>
+            <p:nvSpPr>
+              <p:cNvPr id="17" name="Rechteck 16"/>
+              <p:cNvSpPr/>
+              <p:nvPr/>
+            </p:nvSpPr>
+            <p:spPr>
+              <a:xfrm>
+                <a:off x="0" y="0"/>
+                <a:ext cx="1061720" cy="1403985"/>
+              </a:xfrm>
+              <a:prstGeom prst="rect">
+                <a:avLst/>
+              </a:prstGeom>
+              <a:solidFill>
+                <a:schemeClr val="accent1">
+                  <a:lumMod val="50000"/>
+                </a:schemeClr>
+              </a:solidFill>
+              <a:ln w="19050"/>
+            </p:spPr>
+            <p:style>
+              <a:lnRef idx="2">
+                <a:schemeClr val="accent1">
+                  <a:shade val="50000"/>
+                </a:schemeClr>
+              </a:lnRef>
+              <a:fillRef idx="1">
+                <a:schemeClr val="accent1"/>
+              </a:fillRef>
+              <a:effectRef idx="0">
+                <a:schemeClr val="accent1"/>
+              </a:effectRef>
+              <a:fontRef idx="minor">
+                <a:schemeClr val="lt1"/>
+              </a:fontRef>
+            </p:style>
+            <p:txBody>
+              <a:bodyPr rot="0" spcFirstLastPara="0" vert="horz" wrap="square" lIns="91440" tIns="45720" rIns="91440" bIns="45720" numCol="1" spcCol="0" rtlCol="0" fromWordArt="0" anchor="t" anchorCtr="0" forceAA="0" compatLnSpc="1">
+                <a:prstTxWarp prst="textNoShape">
+                  <a:avLst/>
+                </a:prstTxWarp>
+                <a:noAutofit/>
+              </a:bodyPr>
+              <a:lstStyle/>
+              <a:p>
+                <a:pPr algn="ctr">
+                  <a:spcAft>
+                    <a:spcPts val="0"/>
+                  </a:spcAft>
+                </a:pPr>
+                <a:r>
+                  <a:rPr lang="de-CH" sz="1350">
+                    <a:effectLst/>
+                  </a:rPr>
+                  <a:t>Applicationserver</a:t>
+                </a:r>
+                <a:endParaRPr lang="de-CH">
+                  <a:effectLst/>
+                </a:endParaRPr>
+              </a:p>
+            </p:txBody>
+          </p:sp>
+          <p:pic>
+            <p:nvPicPr>
+              <p:cNvPr id="18" name="Grafik 17"/>
+              <p:cNvPicPr>
+                <a:picLocks noChangeAspect="1"/>
+              </p:cNvPicPr>
+              <p:nvPr/>
+            </p:nvPicPr>
+            <p:blipFill>
+              <a:blip r:embed="rId4" cstate="print">
+                <a:extLst>
+                  <a:ext uri="{28A0092B-C50C-407E-A947-70E740481C1C}">
+                    <a14:useLocalDpi xmlns:a14="http://schemas.microsoft.com/office/drawing/2010/main" val="0"/>
+                  </a:ext>
+                </a:extLst>
+              </a:blip>
+              <a:stretch>
+                <a:fillRect/>
+              </a:stretch>
+            </p:blipFill>
+            <p:spPr>
+              <a:xfrm>
+                <a:off x="261937" y="481012"/>
+                <a:ext cx="594360" cy="770890"/>
+              </a:xfrm>
+              <a:prstGeom prst="rect">
+                <a:avLst/>
+              </a:prstGeom>
+            </p:spPr>
+          </p:pic>
+        </p:grpSp>
+        <p:grpSp>
+          <p:nvGrpSpPr>
+            <p:cNvPr id="11" name="Gruppieren 10"/>
+            <p:cNvGrpSpPr/>
+            <p:nvPr/>
+          </p:nvGrpSpPr>
+          <p:grpSpPr>
+            <a:xfrm>
+              <a:off x="4676775" y="0"/>
+              <a:ext cx="1062000" cy="1404000"/>
+              <a:chOff x="0" y="0"/>
+              <a:chExt cx="1062000" cy="1404000"/>
+            </a:xfrm>
+          </p:grpSpPr>
+          <p:sp>
+            <p:nvSpPr>
+              <p:cNvPr id="15" name="Rechteck 14"/>
+              <p:cNvSpPr/>
+              <p:nvPr/>
+            </p:nvSpPr>
+            <p:spPr>
+              <a:xfrm>
+                <a:off x="0" y="0"/>
+                <a:ext cx="1062000" cy="1404000"/>
+              </a:xfrm>
+              <a:prstGeom prst="rect">
+                <a:avLst/>
+              </a:prstGeom>
+              <a:solidFill>
+                <a:schemeClr val="accent1">
+                  <a:lumMod val="50000"/>
+                </a:schemeClr>
+              </a:solidFill>
+              <a:ln w="19050"/>
+            </p:spPr>
+            <p:style>
+              <a:lnRef idx="2">
+                <a:schemeClr val="accent1">
+                  <a:shade val="50000"/>
+                </a:schemeClr>
+              </a:lnRef>
+              <a:fillRef idx="1">
+                <a:schemeClr val="accent1"/>
+              </a:fillRef>
+              <a:effectRef idx="0">
+                <a:schemeClr val="accent1"/>
+              </a:effectRef>
+              <a:fontRef idx="minor">
+                <a:schemeClr val="lt1"/>
+              </a:fontRef>
+            </p:style>
+            <p:txBody>
+              <a:bodyPr rot="0" spcFirstLastPara="0" vert="horz" wrap="square" lIns="91440" tIns="45720" rIns="91440" bIns="45720" numCol="1" spcCol="0" rtlCol="0" fromWordArt="0" anchor="t" anchorCtr="0" forceAA="0" compatLnSpc="1">
+                <a:prstTxWarp prst="textNoShape">
+                  <a:avLst/>
+                </a:prstTxWarp>
+                <a:noAutofit/>
+              </a:bodyPr>
+              <a:lstStyle/>
+              <a:p>
+                <a:pPr algn="ctr">
+                  <a:lnSpc>
+                    <a:spcPct val="107000"/>
+                  </a:lnSpc>
+                  <a:spcAft>
+                    <a:spcPts val="800"/>
+                  </a:spcAft>
+                </a:pPr>
+                <a:r>
+                  <a:rPr lang="de-CH" sz="1500">
+                    <a:effectLst/>
+                    <a:ea typeface="Calibri" panose="020F0502020204030204" pitchFamily="34" charset="0"/>
+                    <a:cs typeface="Times New Roman" panose="02020603050405020304" pitchFamily="18" charset="0"/>
+                  </a:rPr>
+                  <a:t>Database</a:t>
+                </a:r>
+                <a:endParaRPr lang="de-CH" sz="1100">
+                  <a:effectLst/>
+                  <a:ea typeface="Calibri" panose="020F0502020204030204" pitchFamily="34" charset="0"/>
+                  <a:cs typeface="Times New Roman" panose="02020603050405020304" pitchFamily="18" charset="0"/>
+                </a:endParaRPr>
+              </a:p>
+            </p:txBody>
+          </p:sp>
+          <p:pic>
+            <p:nvPicPr>
+              <p:cNvPr id="16" name="Grafik 15"/>
+              <p:cNvPicPr>
+                <a:picLocks noChangeAspect="1"/>
+              </p:cNvPicPr>
+              <p:nvPr/>
+            </p:nvPicPr>
+            <p:blipFill>
+              <a:blip r:embed="rId5" cstate="print">
+                <a:extLst>
+                  <a:ext uri="{28A0092B-C50C-407E-A947-70E740481C1C}">
+                    <a14:useLocalDpi xmlns:a14="http://schemas.microsoft.com/office/drawing/2010/main" val="0"/>
+                  </a:ext>
+                </a:extLst>
+              </a:blip>
+              <a:stretch>
+                <a:fillRect/>
+              </a:stretch>
+            </p:blipFill>
+            <p:spPr>
+              <a:xfrm>
+                <a:off x="147638" y="452438"/>
+                <a:ext cx="756920" cy="835660"/>
+              </a:xfrm>
+              <a:prstGeom prst="rect">
+                <a:avLst/>
+              </a:prstGeom>
+            </p:spPr>
+          </p:pic>
+        </p:grpSp>
+        <p:sp>
+          <p:nvSpPr>
+            <p:cNvPr id="12" name="Pfeil nach rechts 11"/>
+            <p:cNvSpPr/>
+            <p:nvPr/>
+          </p:nvSpPr>
+          <p:spPr>
+            <a:xfrm>
+              <a:off x="1104900" y="623887"/>
+              <a:ext cx="419100" cy="45719"/>
+            </a:xfrm>
+            <a:prstGeom prst="rightArrow">
+              <a:avLst/>
+            </a:prstGeom>
+            <a:ln w="19050"/>
+          </p:spPr>
+          <p:style>
+            <a:lnRef idx="2">
+              <a:schemeClr val="accent1">
+                <a:shade val="50000"/>
+              </a:schemeClr>
+            </a:lnRef>
+            <a:fillRef idx="1">
+              <a:schemeClr val="accent1"/>
+            </a:fillRef>
+            <a:effectRef idx="0">
+              <a:schemeClr val="accent1"/>
+            </a:effectRef>
+            <a:fontRef idx="minor">
+              <a:schemeClr val="lt1"/>
+            </a:fontRef>
+          </p:style>
+          <p:txBody>
+            <a:bodyPr rot="0" spcFirstLastPara="0" vert="horz" wrap="square" lIns="91440" tIns="45720" rIns="91440" bIns="45720" numCol="1" spcCol="0" rtlCol="0" fromWordArt="0" anchor="t" anchorCtr="0" forceAA="0" compatLnSpc="1">
+              <a:prstTxWarp prst="textNoShape">
+                <a:avLst/>
+              </a:prstTxWarp>
+              <a:noAutofit/>
+            </a:bodyPr>
+            <a:lstStyle/>
+            <a:p>
+              <a:endParaRPr lang="de-CH"/>
+            </a:p>
+          </p:txBody>
+        </p:sp>
+        <p:sp>
+          <p:nvSpPr>
+            <p:cNvPr id="13" name="Pfeil nach rechts 12"/>
+            <p:cNvSpPr/>
+            <p:nvPr/>
+          </p:nvSpPr>
+          <p:spPr>
+            <a:xfrm>
+              <a:off x="2676525" y="595312"/>
+              <a:ext cx="419100" cy="45719"/>
+            </a:xfrm>
+            <a:prstGeom prst="rightArrow">
+              <a:avLst/>
+            </a:prstGeom>
+            <a:ln w="19050"/>
+          </p:spPr>
+          <p:style>
+            <a:lnRef idx="2">
+              <a:schemeClr val="accent1">
+                <a:shade val="50000"/>
+              </a:schemeClr>
+            </a:lnRef>
+            <a:fillRef idx="1">
+              <a:schemeClr val="accent1"/>
+            </a:fillRef>
+            <a:effectRef idx="0">
+              <a:schemeClr val="accent1"/>
+            </a:effectRef>
+            <a:fontRef idx="minor">
+              <a:schemeClr val="lt1"/>
+            </a:fontRef>
+          </p:style>
+          <p:txBody>
+            <a:bodyPr rot="0" spcFirstLastPara="0" vert="horz" wrap="square" lIns="91440" tIns="45720" rIns="91440" bIns="45720" numCol="1" spcCol="0" rtlCol="0" fromWordArt="0" anchor="t" anchorCtr="0" forceAA="0" compatLnSpc="1">
+              <a:prstTxWarp prst="textNoShape">
+                <a:avLst/>
+              </a:prstTxWarp>
+              <a:noAutofit/>
+            </a:bodyPr>
+            <a:lstStyle/>
+            <a:p>
+              <a:endParaRPr lang="de-CH"/>
+            </a:p>
+          </p:txBody>
+        </p:sp>
+        <p:sp>
+          <p:nvSpPr>
+            <p:cNvPr id="14" name="Pfeil nach rechts 13"/>
+            <p:cNvSpPr/>
+            <p:nvPr/>
+          </p:nvSpPr>
+          <p:spPr>
+            <a:xfrm>
+              <a:off x="4233862" y="576262"/>
+              <a:ext cx="404813" cy="45719"/>
+            </a:xfrm>
+            <a:prstGeom prst="rightArrow">
+              <a:avLst/>
+            </a:prstGeom>
+            <a:ln w="19050"/>
+          </p:spPr>
+          <p:style>
+            <a:lnRef idx="2">
+              <a:schemeClr val="accent1">
+                <a:shade val="50000"/>
+              </a:schemeClr>
+            </a:lnRef>
+            <a:fillRef idx="1">
+              <a:schemeClr val="accent1"/>
+            </a:fillRef>
+            <a:effectRef idx="0">
+              <a:schemeClr val="accent1"/>
+            </a:effectRef>
+            <a:fontRef idx="minor">
+              <a:schemeClr val="lt1"/>
+            </a:fontRef>
+          </p:style>
+          <p:txBody>
+            <a:bodyPr rot="0" spcFirstLastPara="0" vert="horz" wrap="square" lIns="91440" tIns="45720" rIns="91440" bIns="45720" numCol="1" spcCol="0" rtlCol="0" fromWordArt="0" anchor="t" anchorCtr="0" forceAA="0" compatLnSpc="1">
+              <a:prstTxWarp prst="textNoShape">
+                <a:avLst/>
+              </a:prstTxWarp>
+              <a:noAutofit/>
+            </a:bodyPr>
+            <a:lstStyle/>
+            <a:p>
+              <a:endParaRPr lang="de-CH"/>
+            </a:p>
+          </p:txBody>
+        </p:sp>
+      </p:grpSp>
     </p:spTree>
     <p:extLst>
       <p:ext uri="{BB962C8B-B14F-4D97-AF65-F5344CB8AC3E}">
@@ -17296,6 +17931,13 @@
   <p:clrMapOvr>
     <a:masterClrMapping/>
   </p:clrMapOvr>
+  <p:timing>
+    <p:tnLst>
+      <p:par>
+        <p:cTn id="1" dur="indefinite" restart="never" nodeType="tmRoot"/>
+      </p:par>
+    </p:tnLst>
+  </p:timing>
 </p:sld>
 </file>
 
@@ -17329,7 +17971,7 @@
         <p:spPr/>
         <p:txBody>
           <a:bodyPr>
-            <a:normAutofit fontScale="90000"/>
+            <a:normAutofit/>
           </a:bodyPr>
           <a:lstStyle/>
           <a:p>
@@ -17461,6 +18103,13 @@
   <p:clrMapOvr>
     <a:masterClrMapping/>
   </p:clrMapOvr>
+  <p:timing>
+    <p:tnLst>
+      <p:par>
+        <p:cTn id="1" dur="indefinite" restart="never" nodeType="tmRoot"/>
+      </p:par>
+    </p:tnLst>
+  </p:timing>
 </p:sld>
 </file>
 
@@ -17494,7 +18143,7 @@
         <p:spPr/>
         <p:txBody>
           <a:bodyPr>
-            <a:normAutofit fontScale="90000"/>
+            <a:normAutofit/>
           </a:bodyPr>
           <a:lstStyle/>
           <a:p>
@@ -17667,6 +18316,13 @@
   <p:clrMapOvr>
     <a:masterClrMapping/>
   </p:clrMapOvr>
+  <p:timing>
+    <p:tnLst>
+      <p:par>
+        <p:cTn id="1" dur="indefinite" restart="never" nodeType="tmRoot"/>
+      </p:par>
+    </p:tnLst>
+  </p:timing>
 </p:sld>
 </file>
 
@@ -17692,7 +18348,7 @@
           <p:cNvPr id="2" name="Titel 1">
             <a:extLst>
               <a:ext uri="{FF2B5EF4-FFF2-40B4-BE49-F238E27FC236}">
-                <a16:creationId xmlns:a16="http://schemas.microsoft.com/office/drawing/2014/main" xmlns="" id="{DAF29597-90C7-43FE-AF4D-F1008E13BB7A}"/>
+                <a16:creationId xmlns:a16="http://schemas.microsoft.com/office/drawing/2014/main" id="{DAF29597-90C7-43FE-AF4D-F1008E13BB7A}"/>
               </a:ext>
             </a:extLst>
           </p:cNvPr>
@@ -17706,7 +18362,7 @@
         <p:spPr/>
         <p:txBody>
           <a:bodyPr>
-            <a:normAutofit fontScale="90000"/>
+            <a:normAutofit/>
           </a:bodyPr>
           <a:lstStyle/>
           <a:p>
@@ -17735,7 +18391,7 @@
           <p:cNvPr id="3" name="Inhaltsplatzhalter 2">
             <a:extLst>
               <a:ext uri="{FF2B5EF4-FFF2-40B4-BE49-F238E27FC236}">
-                <a16:creationId xmlns:a16="http://schemas.microsoft.com/office/drawing/2014/main" xmlns="" id="{41C38108-F7A7-4BE4-A4D7-629C91575438}"/>
+                <a16:creationId xmlns:a16="http://schemas.microsoft.com/office/drawing/2014/main" id="{41C38108-F7A7-4BE4-A4D7-629C91575438}"/>
               </a:ext>
             </a:extLst>
           </p:cNvPr>
@@ -17837,7 +18493,7 @@
           <p:cNvPr id="4" name="Fußzeilenplatzhalter 3">
             <a:extLst>
               <a:ext uri="{FF2B5EF4-FFF2-40B4-BE49-F238E27FC236}">
-                <a16:creationId xmlns:a16="http://schemas.microsoft.com/office/drawing/2014/main" xmlns="" id="{761DFD1B-EF80-4C8C-AB9E-0590530E283A}"/>
+                <a16:creationId xmlns:a16="http://schemas.microsoft.com/office/drawing/2014/main" id="{761DFD1B-EF80-4C8C-AB9E-0590530E283A}"/>
               </a:ext>
             </a:extLst>
           </p:cNvPr>
@@ -17865,7 +18521,7 @@
           <p:cNvPr id="5" name="Foliennummernplatzhalter 4">
             <a:extLst>
               <a:ext uri="{FF2B5EF4-FFF2-40B4-BE49-F238E27FC236}">
-                <a16:creationId xmlns:a16="http://schemas.microsoft.com/office/drawing/2014/main" xmlns="" id="{97879A5C-1E73-49C3-930F-D6D028029DBE}"/>
+                <a16:creationId xmlns:a16="http://schemas.microsoft.com/office/drawing/2014/main" id="{97879A5C-1E73-49C3-930F-D6D028029DBE}"/>
               </a:ext>
             </a:extLst>
           </p:cNvPr>
@@ -18661,6 +19317,13 @@
   <p:clrMapOvr>
     <a:masterClrMapping/>
   </p:clrMapOvr>
+  <p:timing>
+    <p:tnLst>
+      <p:par>
+        <p:cTn id="1" dur="indefinite" restart="never" nodeType="tmRoot"/>
+      </p:par>
+    </p:tnLst>
+  </p:timing>
 </p:sld>
 </file>
 
@@ -19097,7 +19760,7 @@
         <p:spPr/>
         <p:txBody>
           <a:bodyPr>
-            <a:normAutofit fontScale="90000"/>
+            <a:normAutofit/>
           </a:bodyPr>
           <a:lstStyle/>
           <a:p>
@@ -19221,7 +19884,7 @@
           <a:noFill/>
           <a:extLst>
             <a:ext uri="{909E8E84-426E-40dd-AFC4-6F175D3DCCD1}">
-              <a14:hiddenFill xmlns:a14="http://schemas.microsoft.com/office/drawing/2010/main">
+              <a14:hiddenFill xmlns:a14="http://schemas.microsoft.com/office/drawing/2010/main" xmlns="">
                 <a:solidFill>
                   <a:srgbClr val="FFFFFF"/>
                 </a:solidFill>
@@ -19240,6 +19903,13 @@
   <p:clrMapOvr>
     <a:masterClrMapping/>
   </p:clrMapOvr>
+  <p:timing>
+    <p:tnLst>
+      <p:par>
+        <p:cTn id="1" dur="indefinite" restart="never" nodeType="tmRoot"/>
+      </p:par>
+    </p:tnLst>
+  </p:timing>
 </p:sld>
 </file>
 
@@ -20614,7 +21284,7 @@
   <p:timing>
     <p:tnLst>
       <p:par>
-        <p:cTn xmlns:p14="http://schemas.microsoft.com/office/powerpoint/2010/main" id="1" dur="indefinite" restart="never" nodeType="tmRoot">
+        <p:cTn id="1" dur="indefinite" restart="never" nodeType="tmRoot">
           <p:childTnLst>
             <p:seq concurrent="1" nextAc="seek">
               <p:cTn id="2" dur="indefinite" nodeType="mainSeq">
@@ -23234,6 +23904,13 @@
   <p:clrMapOvr>
     <a:masterClrMapping/>
   </p:clrMapOvr>
+  <p:timing>
+    <p:tnLst>
+      <p:par>
+        <p:cTn id="1" dur="indefinite" restart="never" nodeType="tmRoot"/>
+      </p:par>
+    </p:tnLst>
+  </p:timing>
 </p:sld>
 </file>
 
@@ -23353,14 +24030,14 @@
                 <a:gridCol w="1747711">
                   <a:extLst>
                     <a:ext uri="{9D8B030D-6E8A-4147-A177-3AD203B41FA5}">
-                      <a16:colId xmlns:a16="http://schemas.microsoft.com/office/drawing/2014/main" xmlns="" val="2067186096"/>
+                      <a16:colId xmlns:a16="http://schemas.microsoft.com/office/drawing/2014/main" val="2067186096"/>
                     </a:ext>
                   </a:extLst>
                 </a:gridCol>
                 <a:gridCol w="6012942">
                   <a:extLst>
                     <a:ext uri="{9D8B030D-6E8A-4147-A177-3AD203B41FA5}">
-                      <a16:colId xmlns:a16="http://schemas.microsoft.com/office/drawing/2014/main" xmlns="" val="3004943606"/>
+                      <a16:colId xmlns:a16="http://schemas.microsoft.com/office/drawing/2014/main" val="3004943606"/>
                     </a:ext>
                   </a:extLst>
                 </a:gridCol>
@@ -23431,7 +24108,7 @@
                 </a:tc>
                 <a:extLst>
                   <a:ext uri="{0D108BD9-81ED-4DB2-BD59-A6C34878D82A}">
-                    <a16:rowId xmlns:a16="http://schemas.microsoft.com/office/drawing/2014/main" xmlns="" val="2748466227"/>
+                    <a16:rowId xmlns:a16="http://schemas.microsoft.com/office/drawing/2014/main" val="2748466227"/>
                   </a:ext>
                 </a:extLst>
               </a:tr>
@@ -23501,7 +24178,7 @@
                 </a:tc>
                 <a:extLst>
                   <a:ext uri="{0D108BD9-81ED-4DB2-BD59-A6C34878D82A}">
-                    <a16:rowId xmlns:a16="http://schemas.microsoft.com/office/drawing/2014/main" xmlns="" val="2238736759"/>
+                    <a16:rowId xmlns:a16="http://schemas.microsoft.com/office/drawing/2014/main" val="2238736759"/>
                   </a:ext>
                 </a:extLst>
               </a:tr>
@@ -23571,7 +24248,7 @@
                 </a:tc>
                 <a:extLst>
                   <a:ext uri="{0D108BD9-81ED-4DB2-BD59-A6C34878D82A}">
-                    <a16:rowId xmlns:a16="http://schemas.microsoft.com/office/drawing/2014/main" xmlns="" val="1385958006"/>
+                    <a16:rowId xmlns:a16="http://schemas.microsoft.com/office/drawing/2014/main" val="1385958006"/>
                   </a:ext>
                 </a:extLst>
               </a:tr>
@@ -23641,7 +24318,7 @@
                 </a:tc>
                 <a:extLst>
                   <a:ext uri="{0D108BD9-81ED-4DB2-BD59-A6C34878D82A}">
-                    <a16:rowId xmlns:a16="http://schemas.microsoft.com/office/drawing/2014/main" xmlns="" val="4072881246"/>
+                    <a16:rowId xmlns:a16="http://schemas.microsoft.com/office/drawing/2014/main" val="4072881246"/>
                   </a:ext>
                 </a:extLst>
               </a:tr>
@@ -23711,7 +24388,7 @@
                 </a:tc>
                 <a:extLst>
                   <a:ext uri="{0D108BD9-81ED-4DB2-BD59-A6C34878D82A}">
-                    <a16:rowId xmlns:a16="http://schemas.microsoft.com/office/drawing/2014/main" xmlns="" val="726278234"/>
+                    <a16:rowId xmlns:a16="http://schemas.microsoft.com/office/drawing/2014/main" val="726278234"/>
                   </a:ext>
                 </a:extLst>
               </a:tr>
@@ -23781,7 +24458,7 @@
                 </a:tc>
                 <a:extLst>
                   <a:ext uri="{0D108BD9-81ED-4DB2-BD59-A6C34878D82A}">
-                    <a16:rowId xmlns:a16="http://schemas.microsoft.com/office/drawing/2014/main" xmlns="" val="1903746666"/>
+                    <a16:rowId xmlns:a16="http://schemas.microsoft.com/office/drawing/2014/main" val="1903746666"/>
                   </a:ext>
                 </a:extLst>
               </a:tr>
@@ -23799,6 +24476,13 @@
   <p:clrMapOvr>
     <a:masterClrMapping/>
   </p:clrMapOvr>
+  <p:timing>
+    <p:tnLst>
+      <p:par>
+        <p:cTn id="1" dur="indefinite" restart="never" nodeType="tmRoot"/>
+      </p:par>
+    </p:tnLst>
+  </p:timing>
 </p:sld>
 </file>
 
@@ -23924,6 +24608,13 @@
   <p:clrMapOvr>
     <a:masterClrMapping/>
   </p:clrMapOvr>
+  <p:timing>
+    <p:tnLst>
+      <p:par>
+        <p:cTn id="1" dur="indefinite" restart="never" nodeType="tmRoot"/>
+      </p:par>
+    </p:tnLst>
+  </p:timing>
 </p:sld>
 </file>
 
@@ -24049,6 +24740,13 @@
   <p:clrMapOvr>
     <a:masterClrMapping/>
   </p:clrMapOvr>
+  <p:timing>
+    <p:tnLst>
+      <p:par>
+        <p:cTn id="1" dur="indefinite" restart="never" nodeType="tmRoot"/>
+      </p:par>
+    </p:tnLst>
+  </p:timing>
 </p:sld>
 </file>
 
@@ -24187,14 +24885,14 @@
                 <a:gridCol w="1747711">
                   <a:extLst>
                     <a:ext uri="{9D8B030D-6E8A-4147-A177-3AD203B41FA5}">
-                      <a16:colId xmlns:a16="http://schemas.microsoft.com/office/drawing/2014/main" xmlns="" val="2067186096"/>
+                      <a16:colId xmlns:a16="http://schemas.microsoft.com/office/drawing/2014/main" val="2067186096"/>
                     </a:ext>
                   </a:extLst>
                 </a:gridCol>
                 <a:gridCol w="6012942">
                   <a:extLst>
                     <a:ext uri="{9D8B030D-6E8A-4147-A177-3AD203B41FA5}">
-                      <a16:colId xmlns:a16="http://schemas.microsoft.com/office/drawing/2014/main" xmlns="" val="3004943606"/>
+                      <a16:colId xmlns:a16="http://schemas.microsoft.com/office/drawing/2014/main" val="3004943606"/>
                     </a:ext>
                   </a:extLst>
                 </a:gridCol>
@@ -24265,7 +24963,7 @@
                 </a:tc>
                 <a:extLst>
                   <a:ext uri="{0D108BD9-81ED-4DB2-BD59-A6C34878D82A}">
-                    <a16:rowId xmlns:a16="http://schemas.microsoft.com/office/drawing/2014/main" xmlns="" val="2748466227"/>
+                    <a16:rowId xmlns:a16="http://schemas.microsoft.com/office/drawing/2014/main" val="2748466227"/>
                   </a:ext>
                 </a:extLst>
               </a:tr>
@@ -24335,7 +25033,7 @@
                 </a:tc>
                 <a:extLst>
                   <a:ext uri="{0D108BD9-81ED-4DB2-BD59-A6C34878D82A}">
-                    <a16:rowId xmlns:a16="http://schemas.microsoft.com/office/drawing/2014/main" xmlns="" val="2238736759"/>
+                    <a16:rowId xmlns:a16="http://schemas.microsoft.com/office/drawing/2014/main" val="2238736759"/>
                   </a:ext>
                 </a:extLst>
               </a:tr>
@@ -24405,7 +25103,7 @@
                 </a:tc>
                 <a:extLst>
                   <a:ext uri="{0D108BD9-81ED-4DB2-BD59-A6C34878D82A}">
-                    <a16:rowId xmlns:a16="http://schemas.microsoft.com/office/drawing/2014/main" xmlns="" val="1385958006"/>
+                    <a16:rowId xmlns:a16="http://schemas.microsoft.com/office/drawing/2014/main" val="1385958006"/>
                   </a:ext>
                 </a:extLst>
               </a:tr>
@@ -24475,7 +25173,7 @@
                 </a:tc>
                 <a:extLst>
                   <a:ext uri="{0D108BD9-81ED-4DB2-BD59-A6C34878D82A}">
-                    <a16:rowId xmlns:a16="http://schemas.microsoft.com/office/drawing/2014/main" xmlns="" val="4072881246"/>
+                    <a16:rowId xmlns:a16="http://schemas.microsoft.com/office/drawing/2014/main" val="4072881246"/>
                   </a:ext>
                 </a:extLst>
               </a:tr>
@@ -24545,7 +25243,7 @@
                 </a:tc>
                 <a:extLst>
                   <a:ext uri="{0D108BD9-81ED-4DB2-BD59-A6C34878D82A}">
-                    <a16:rowId xmlns:a16="http://schemas.microsoft.com/office/drawing/2014/main" xmlns="" val="726278234"/>
+                    <a16:rowId xmlns:a16="http://schemas.microsoft.com/office/drawing/2014/main" val="726278234"/>
                   </a:ext>
                 </a:extLst>
               </a:tr>
@@ -24615,7 +25313,7 @@
                 </a:tc>
                 <a:extLst>
                   <a:ext uri="{0D108BD9-81ED-4DB2-BD59-A6C34878D82A}">
-                    <a16:rowId xmlns:a16="http://schemas.microsoft.com/office/drawing/2014/main" xmlns="" val="1903746666"/>
+                    <a16:rowId xmlns:a16="http://schemas.microsoft.com/office/drawing/2014/main" val="1903746666"/>
                   </a:ext>
                 </a:extLst>
               </a:tr>
@@ -24633,6 +25331,13 @@
   <p:clrMapOvr>
     <a:masterClrMapping/>
   </p:clrMapOvr>
+  <p:timing>
+    <p:tnLst>
+      <p:par>
+        <p:cTn id="1" dur="indefinite" restart="never" nodeType="tmRoot"/>
+      </p:par>
+    </p:tnLst>
+  </p:timing>
 </p:sld>
 </file>
 
@@ -24898,7 +25603,7 @@
   <a:extraClrSchemeLst/>
   <a:extLst>
     <a:ext uri="{05A4C25C-085E-4340-85A3-A5531E510DB2}">
-      <thm15:themeFamily xmlns:thm15="http://schemas.microsoft.com/office/thememl/2012/main" xmlns="" name="Integral" id="{3577F8C9-A904-41D8-97D2-FD898F53F20E}" vid="{682D6EBE-8D36-4FF2-9DB3-F3D8D7B6715D}"/>
+      <thm15:themeFamily xmlns:thm15="http://schemas.microsoft.com/office/thememl/2012/main" name="Integral" id="{3577F8C9-A904-41D8-97D2-FD898F53F20E}" vid="{682D6EBE-8D36-4FF2-9DB3-F3D8D7B6715D}"/>
     </a:ext>
   </a:extLst>
 </a:theme>
@@ -25159,7 +25864,7 @@
   <a:extraClrSchemeLst/>
   <a:extLst>
     <a:ext uri="{05A4C25C-085E-4340-85A3-A5531E510DB2}">
-      <thm15:themeFamily xmlns:thm15="http://schemas.microsoft.com/office/thememl/2012/main" xmlns="" name="Office Theme" id="{62F939B6-93AF-4DB8-9C6B-D6C7DFDC589F}" vid="{4A3C46E8-61CC-4603-A589-7422A47A8E4A}"/>
+      <thm15:themeFamily xmlns:thm15="http://schemas.microsoft.com/office/thememl/2012/main" name="Office Theme" id="{62F939B6-93AF-4DB8-9C6B-D6C7DFDC589F}" vid="{4A3C46E8-61CC-4603-A589-7422A47A8E4A}"/>
     </a:ext>
   </a:extLst>
 </a:theme>

--- a/Docs/task02/Task 2.pptx
+++ b/Docs/task02/Task 2.pptx
@@ -130,7 +130,7 @@
   </p:defaultTextStyle>
   <p:extLst>
     <p:ext uri="{EFAFB233-063F-42B5-8137-9DF3F51BA10A}">
-      <p15:sldGuideLst xmlns:p15="http://schemas.microsoft.com/office/powerpoint/2012/main">
+      <p15:sldGuideLst xmlns:p15="http://schemas.microsoft.com/office/powerpoint/2012/main" xmlns="">
         <p15:guide id="1" orient="horz" pos="2160">
           <p15:clr>
             <a:srgbClr val="A4A3A4"/>
@@ -144,7 +144,7 @@
       </p15:sldGuideLst>
     </p:ext>
     <p:ext uri="{2D200454-40CA-4A62-9FC3-DE9A4176ACB9}">
-      <p15:notesGuideLst xmlns:p15="http://schemas.microsoft.com/office/powerpoint/2012/main"/>
+      <p15:notesGuideLst xmlns:p15="http://schemas.microsoft.com/office/powerpoint/2012/main" xmlns=""/>
     </p:ext>
   </p:extLst>
 </p:presentation>
@@ -232,7 +232,7 @@
           <a:p>
             <a:fld id="{E4A7A458-E728-4C45-AC5F-BF1ECBD604F4}" type="datetimeFigureOut">
               <a:rPr lang="de-CH" smtClean="0"/>
-              <a:t>16.04.2018</a:t>
+              <a:t>16.04.18</a:t>
             </a:fld>
             <a:endParaRPr lang="de-CH"/>
           </a:p>
@@ -7355,7 +7355,7 @@
           <a:p>
             <a:fld id="{48EA4EFA-D47F-462F-9645-4A2C7B0C008E}" type="datetime1">
               <a:rPr lang="de-CH" smtClean="0"/>
-              <a:t>16.04.2018</a:t>
+              <a:t>16.04.18</a:t>
             </a:fld>
             <a:endParaRPr lang="de-CH"/>
           </a:p>
@@ -7539,7 +7539,7 @@
           <a:p>
             <a:fld id="{5401366C-D8E1-4A1D-9F3A-E8CB5EBC918C}" type="datetime1">
               <a:rPr lang="de-CH" smtClean="0"/>
-              <a:t>16.04.2018</a:t>
+              <a:t>16.04.18</a:t>
             </a:fld>
             <a:endParaRPr lang="de-CH"/>
           </a:p>
@@ -7747,7 +7747,7 @@
           <a:p>
             <a:fld id="{2BAA17AB-ECF0-49FF-B6BF-5ED34EE6CF1F}" type="datetime1">
               <a:rPr lang="de-CH" smtClean="0"/>
-              <a:t>16.04.2018</a:t>
+              <a:t>16.04.18</a:t>
             </a:fld>
             <a:endParaRPr lang="de-CH"/>
           </a:p>
@@ -14488,7 +14488,7 @@
           <a:p>
             <a:fld id="{9FA939F6-F4F6-4289-93D5-9E4F3B02E4D6}" type="datetime1">
               <a:rPr lang="de-CH" smtClean="0"/>
-              <a:t>16.04.2018</a:t>
+              <a:t>16.04.18</a:t>
             </a:fld>
             <a:endParaRPr lang="de-CH"/>
           </a:p>
@@ -14765,7 +14765,7 @@
           <a:p>
             <a:fld id="{1E30F152-E476-443B-8AB6-5804059EE67F}" type="datetime1">
               <a:rPr lang="de-CH" smtClean="0"/>
-              <a:t>16.04.2018</a:t>
+              <a:t>16.04.18</a:t>
             </a:fld>
             <a:endParaRPr lang="de-CH"/>
           </a:p>
@@ -15172,7 +15172,7 @@
           <a:p>
             <a:fld id="{66509C7C-3DC4-4099-BE80-68818C82D6D8}" type="datetime1">
               <a:rPr lang="de-CH" smtClean="0"/>
-              <a:t>16.04.2018</a:t>
+              <a:t>16.04.18</a:t>
             </a:fld>
             <a:endParaRPr lang="de-CH"/>
           </a:p>
@@ -15294,7 +15294,7 @@
           <a:p>
             <a:fld id="{8FAB963B-2EC8-421B-871A-8231F1970420}" type="datetime1">
               <a:rPr lang="de-CH" smtClean="0"/>
-              <a:t>16.04.2018</a:t>
+              <a:t>16.04.18</a:t>
             </a:fld>
             <a:endParaRPr lang="de-CH"/>
           </a:p>
@@ -15393,7 +15393,7 @@
           <a:p>
             <a:fld id="{216D7C7D-9EAF-413C-A37A-A0DE9D748493}" type="datetime1">
               <a:rPr lang="de-CH" smtClean="0"/>
-              <a:t>16.04.2018</a:t>
+              <a:t>16.04.18</a:t>
             </a:fld>
             <a:endParaRPr lang="de-CH"/>
           </a:p>
@@ -15689,7 +15689,7 @@
           <a:p>
             <a:fld id="{9F1F9B50-50D7-413F-AF73-B729280A6E9F}" type="datetime1">
               <a:rPr lang="de-CH" smtClean="0"/>
-              <a:t>16.04.2018</a:t>
+              <a:t>16.04.18</a:t>
             </a:fld>
             <a:endParaRPr lang="de-CH"/>
           </a:p>
@@ -15973,7 +15973,7 @@
           <a:p>
             <a:fld id="{1D22B7AC-6B2E-4813-9F88-C402B02E29B8}" type="datetime1">
               <a:rPr lang="de-CH" smtClean="0"/>
-              <a:t>16.04.2018</a:t>
+              <a:t>16.04.18</a:t>
             </a:fld>
             <a:endParaRPr lang="de-CH"/>
           </a:p>
@@ -16227,7 +16227,7 @@
           <a:p>
             <a:fld id="{A6F7B2E4-FD4D-4ABA-BA68-9C7F9D22BE3B}" type="datetime1">
               <a:rPr lang="de-CH" smtClean="0"/>
-              <a:t>16.04.2018</a:t>
+              <a:t>16.04.18</a:t>
             </a:fld>
             <a:endParaRPr lang="de-CH"/>
           </a:p>
@@ -16747,7 +16747,7 @@
         <p:spPr/>
         <p:txBody>
           <a:bodyPr>
-            <a:normAutofit/>
+            <a:normAutofit fontScale="90000"/>
           </a:bodyPr>
           <a:lstStyle/>
           <a:p>
@@ -16870,7 +16870,7 @@
           <a:noFill/>
           <a:extLst>
             <a:ext uri="{909E8E84-426E-40dd-AFC4-6F175D3DCCD1}">
-              <a14:hiddenFill xmlns:a14="http://schemas.microsoft.com/office/drawing/2010/main" xmlns="">
+              <a14:hiddenFill xmlns:a14="http://schemas.microsoft.com/office/drawing/2010/main">
                 <a:solidFill>
                   <a:srgbClr val="FFFFFF"/>
                 </a:solidFill>
@@ -16892,7 +16892,7 @@
   <p:timing>
     <p:tnLst>
       <p:par>
-        <p:cTn id="1" dur="indefinite" restart="never" nodeType="tmRoot"/>
+        <p:cTn xmlns:p14="http://schemas.microsoft.com/office/powerpoint/2010/main" id="1" dur="indefinite" restart="never" nodeType="tmRoot"/>
       </p:par>
     </p:tnLst>
   </p:timing>
@@ -17036,7 +17036,7 @@
   <p:timing>
     <p:tnLst>
       <p:par>
-        <p:cTn id="1" dur="indefinite" restart="never" nodeType="tmRoot"/>
+        <p:cTn xmlns:p14="http://schemas.microsoft.com/office/powerpoint/2010/main" id="1" dur="indefinite" restart="never" nodeType="tmRoot"/>
       </p:par>
     </p:tnLst>
   </p:timing>
@@ -17203,7 +17203,7 @@
   <p:timing>
     <p:tnLst>
       <p:par>
-        <p:cTn id="1" dur="indefinite" restart="never" nodeType="tmRoot"/>
+        <p:cTn xmlns:p14="http://schemas.microsoft.com/office/powerpoint/2010/main" id="1" dur="indefinite" restart="never" nodeType="tmRoot"/>
       </p:par>
     </p:tnLst>
   </p:timing>
@@ -17934,7 +17934,7 @@
   <p:timing>
     <p:tnLst>
       <p:par>
-        <p:cTn id="1" dur="indefinite" restart="never" nodeType="tmRoot"/>
+        <p:cTn xmlns:p14="http://schemas.microsoft.com/office/powerpoint/2010/main" id="1" dur="indefinite" restart="never" nodeType="tmRoot"/>
       </p:par>
     </p:tnLst>
   </p:timing>
@@ -17971,7 +17971,7 @@
         <p:spPr/>
         <p:txBody>
           <a:bodyPr>
-            <a:normAutofit/>
+            <a:normAutofit fontScale="90000"/>
           </a:bodyPr>
           <a:lstStyle/>
           <a:p>
@@ -18106,7 +18106,7 @@
   <p:timing>
     <p:tnLst>
       <p:par>
-        <p:cTn id="1" dur="indefinite" restart="never" nodeType="tmRoot"/>
+        <p:cTn xmlns:p14="http://schemas.microsoft.com/office/powerpoint/2010/main" id="1" dur="indefinite" restart="never" nodeType="tmRoot"/>
       </p:par>
     </p:tnLst>
   </p:timing>
@@ -18143,7 +18143,7 @@
         <p:spPr/>
         <p:txBody>
           <a:bodyPr>
-            <a:normAutofit/>
+            <a:normAutofit fontScale="90000"/>
           </a:bodyPr>
           <a:lstStyle/>
           <a:p>
@@ -18319,7 +18319,7 @@
   <p:timing>
     <p:tnLst>
       <p:par>
-        <p:cTn id="1" dur="indefinite" restart="never" nodeType="tmRoot"/>
+        <p:cTn xmlns:p14="http://schemas.microsoft.com/office/powerpoint/2010/main" id="1" dur="indefinite" restart="never" nodeType="tmRoot"/>
       </p:par>
     </p:tnLst>
   </p:timing>
@@ -18348,7 +18348,7 @@
           <p:cNvPr id="2" name="Titel 1">
             <a:extLst>
               <a:ext uri="{FF2B5EF4-FFF2-40B4-BE49-F238E27FC236}">
-                <a16:creationId xmlns:a16="http://schemas.microsoft.com/office/drawing/2014/main" id="{DAF29597-90C7-43FE-AF4D-F1008E13BB7A}"/>
+                <a16:creationId xmlns:a16="http://schemas.microsoft.com/office/drawing/2014/main" xmlns="" id="{DAF29597-90C7-43FE-AF4D-F1008E13BB7A}"/>
               </a:ext>
             </a:extLst>
           </p:cNvPr>
@@ -18362,7 +18362,7 @@
         <p:spPr/>
         <p:txBody>
           <a:bodyPr>
-            <a:normAutofit/>
+            <a:normAutofit fontScale="90000"/>
           </a:bodyPr>
           <a:lstStyle/>
           <a:p>
@@ -18391,7 +18391,7 @@
           <p:cNvPr id="3" name="Inhaltsplatzhalter 2">
             <a:extLst>
               <a:ext uri="{FF2B5EF4-FFF2-40B4-BE49-F238E27FC236}">
-                <a16:creationId xmlns:a16="http://schemas.microsoft.com/office/drawing/2014/main" id="{41C38108-F7A7-4BE4-A4D7-629C91575438}"/>
+                <a16:creationId xmlns:a16="http://schemas.microsoft.com/office/drawing/2014/main" xmlns="" id="{41C38108-F7A7-4BE4-A4D7-629C91575438}"/>
               </a:ext>
             </a:extLst>
           </p:cNvPr>
@@ -18493,7 +18493,7 @@
           <p:cNvPr id="4" name="Fußzeilenplatzhalter 3">
             <a:extLst>
               <a:ext uri="{FF2B5EF4-FFF2-40B4-BE49-F238E27FC236}">
-                <a16:creationId xmlns:a16="http://schemas.microsoft.com/office/drawing/2014/main" id="{761DFD1B-EF80-4C8C-AB9E-0590530E283A}"/>
+                <a16:creationId xmlns:a16="http://schemas.microsoft.com/office/drawing/2014/main" xmlns="" id="{761DFD1B-EF80-4C8C-AB9E-0590530E283A}"/>
               </a:ext>
             </a:extLst>
           </p:cNvPr>
@@ -18521,7 +18521,7 @@
           <p:cNvPr id="5" name="Foliennummernplatzhalter 4">
             <a:extLst>
               <a:ext uri="{FF2B5EF4-FFF2-40B4-BE49-F238E27FC236}">
-                <a16:creationId xmlns:a16="http://schemas.microsoft.com/office/drawing/2014/main" id="{97879A5C-1E73-49C3-930F-D6D028029DBE}"/>
+                <a16:creationId xmlns:a16="http://schemas.microsoft.com/office/drawing/2014/main" xmlns="" id="{97879A5C-1E73-49C3-930F-D6D028029DBE}"/>
               </a:ext>
             </a:extLst>
           </p:cNvPr>
@@ -19320,7 +19320,7 @@
   <p:timing>
     <p:tnLst>
       <p:par>
-        <p:cTn id="1" dur="indefinite" restart="never" nodeType="tmRoot"/>
+        <p:cTn xmlns:p14="http://schemas.microsoft.com/office/powerpoint/2010/main" id="1" dur="indefinite" restart="never" nodeType="tmRoot"/>
       </p:par>
     </p:tnLst>
   </p:timing>
@@ -19512,7 +19512,7 @@
           <a:p>
             <a:pPr lvl="0"/>
             <a:r>
-              <a:rPr lang="de-CH" b="1" smtClean="0"/>
+              <a:rPr lang="de-CH" dirty="0" err="1" smtClean="0"/>
               <a:t>Appendices</a:t>
             </a:r>
             <a:endParaRPr lang="de-DE" dirty="0"/>
@@ -19532,28 +19532,28 @@
         <p:spPr/>
         <p:txBody>
           <a:bodyPr>
-            <a:normAutofit lnSpcReduction="10000"/>
+            <a:normAutofit/>
           </a:bodyPr>
           <a:lstStyle/>
           <a:p>
             <a:r>
-              <a:rPr lang="de-CH" dirty="0"/>
-              <a:t>Die Anforderungen an den Endbenutzer sind minimal. Er muss ein Gerät mit einem aktuellen Web-Browser besitzen, beispielsweise Laptop, Smartphone, </a:t>
-            </a:r>
-            <a:r>
-              <a:rPr lang="de-CH" dirty="0" err="1"/>
-              <a:t>Tablet</a:t>
-            </a:r>
-            <a:r>
-              <a:rPr lang="de-CH" dirty="0"/>
-              <a:t> oder Desktop-PC</a:t>
+              <a:rPr lang="de-CH" dirty="0" smtClean="0"/>
+              <a:t>Anforderungen Endbenutzer:</a:t>
             </a:r>
           </a:p>
           <a:p>
             <a:r>
-              <a:rPr lang="de-CH" dirty="0"/>
-              <a:t>Für unser System benötigen wir:</a:t>
+              <a:rPr lang="de-CH" dirty="0" smtClean="0"/>
+              <a:t>Web-fähiges Gerät mit aktuellem Webbrowser</a:t>
             </a:r>
+            <a:endParaRPr lang="de-CH" dirty="0"/>
+          </a:p>
+          <a:p>
+            <a:r>
+              <a:rPr lang="de-CH" dirty="0" smtClean="0"/>
+              <a:t>Anforderungen System:</a:t>
+            </a:r>
+            <a:endParaRPr lang="de-CH" dirty="0"/>
           </a:p>
           <a:p>
             <a:pPr lvl="0"/>
@@ -19760,7 +19760,7 @@
         <p:spPr/>
         <p:txBody>
           <a:bodyPr>
-            <a:normAutofit/>
+            <a:normAutofit fontScale="90000"/>
           </a:bodyPr>
           <a:lstStyle/>
           <a:p>
@@ -19884,7 +19884,7 @@
           <a:noFill/>
           <a:extLst>
             <a:ext uri="{909E8E84-426E-40dd-AFC4-6F175D3DCCD1}">
-              <a14:hiddenFill xmlns:a14="http://schemas.microsoft.com/office/drawing/2010/main" xmlns="">
+              <a14:hiddenFill xmlns:a14="http://schemas.microsoft.com/office/drawing/2010/main">
                 <a:solidFill>
                   <a:srgbClr val="FFFFFF"/>
                 </a:solidFill>
@@ -19906,7 +19906,7 @@
   <p:timing>
     <p:tnLst>
       <p:par>
-        <p:cTn id="1" dur="indefinite" restart="never" nodeType="tmRoot"/>
+        <p:cTn xmlns:p14="http://schemas.microsoft.com/office/powerpoint/2010/main" id="1" dur="indefinite" restart="never" nodeType="tmRoot"/>
       </p:par>
     </p:tnLst>
   </p:timing>
@@ -21284,7 +21284,7 @@
   <p:timing>
     <p:tnLst>
       <p:par>
-        <p:cTn id="1" dur="indefinite" restart="never" nodeType="tmRoot">
+        <p:cTn xmlns:p14="http://schemas.microsoft.com/office/powerpoint/2010/main" id="1" dur="indefinite" restart="never" nodeType="tmRoot">
           <p:childTnLst>
             <p:seq concurrent="1" nextAc="seek">
               <p:cTn id="2" dur="indefinite" nodeType="mainSeq">
@@ -23907,7 +23907,7 @@
   <p:timing>
     <p:tnLst>
       <p:par>
-        <p:cTn id="1" dur="indefinite" restart="never" nodeType="tmRoot"/>
+        <p:cTn xmlns:p14="http://schemas.microsoft.com/office/powerpoint/2010/main" id="1" dur="indefinite" restart="never" nodeType="tmRoot"/>
       </p:par>
     </p:tnLst>
   </p:timing>
@@ -24030,14 +24030,14 @@
                 <a:gridCol w="1747711">
                   <a:extLst>
                     <a:ext uri="{9D8B030D-6E8A-4147-A177-3AD203B41FA5}">
-                      <a16:colId xmlns:a16="http://schemas.microsoft.com/office/drawing/2014/main" val="2067186096"/>
+                      <a16:colId xmlns:a16="http://schemas.microsoft.com/office/drawing/2014/main" xmlns="" val="2067186096"/>
                     </a:ext>
                   </a:extLst>
                 </a:gridCol>
                 <a:gridCol w="6012942">
                   <a:extLst>
                     <a:ext uri="{9D8B030D-6E8A-4147-A177-3AD203B41FA5}">
-                      <a16:colId xmlns:a16="http://schemas.microsoft.com/office/drawing/2014/main" val="3004943606"/>
+                      <a16:colId xmlns:a16="http://schemas.microsoft.com/office/drawing/2014/main" xmlns="" val="3004943606"/>
                     </a:ext>
                   </a:extLst>
                 </a:gridCol>
@@ -24108,7 +24108,7 @@
                 </a:tc>
                 <a:extLst>
                   <a:ext uri="{0D108BD9-81ED-4DB2-BD59-A6C34878D82A}">
-                    <a16:rowId xmlns:a16="http://schemas.microsoft.com/office/drawing/2014/main" val="2748466227"/>
+                    <a16:rowId xmlns:a16="http://schemas.microsoft.com/office/drawing/2014/main" xmlns="" val="2748466227"/>
                   </a:ext>
                 </a:extLst>
               </a:tr>
@@ -24178,7 +24178,7 @@
                 </a:tc>
                 <a:extLst>
                   <a:ext uri="{0D108BD9-81ED-4DB2-BD59-A6C34878D82A}">
-                    <a16:rowId xmlns:a16="http://schemas.microsoft.com/office/drawing/2014/main" val="2238736759"/>
+                    <a16:rowId xmlns:a16="http://schemas.microsoft.com/office/drawing/2014/main" xmlns="" val="2238736759"/>
                   </a:ext>
                 </a:extLst>
               </a:tr>
@@ -24248,7 +24248,7 @@
                 </a:tc>
                 <a:extLst>
                   <a:ext uri="{0D108BD9-81ED-4DB2-BD59-A6C34878D82A}">
-                    <a16:rowId xmlns:a16="http://schemas.microsoft.com/office/drawing/2014/main" val="1385958006"/>
+                    <a16:rowId xmlns:a16="http://schemas.microsoft.com/office/drawing/2014/main" xmlns="" val="1385958006"/>
                   </a:ext>
                 </a:extLst>
               </a:tr>
@@ -24318,7 +24318,7 @@
                 </a:tc>
                 <a:extLst>
                   <a:ext uri="{0D108BD9-81ED-4DB2-BD59-A6C34878D82A}">
-                    <a16:rowId xmlns:a16="http://schemas.microsoft.com/office/drawing/2014/main" val="4072881246"/>
+                    <a16:rowId xmlns:a16="http://schemas.microsoft.com/office/drawing/2014/main" xmlns="" val="4072881246"/>
                   </a:ext>
                 </a:extLst>
               </a:tr>
@@ -24388,7 +24388,7 @@
                 </a:tc>
                 <a:extLst>
                   <a:ext uri="{0D108BD9-81ED-4DB2-BD59-A6C34878D82A}">
-                    <a16:rowId xmlns:a16="http://schemas.microsoft.com/office/drawing/2014/main" val="726278234"/>
+                    <a16:rowId xmlns:a16="http://schemas.microsoft.com/office/drawing/2014/main" xmlns="" val="726278234"/>
                   </a:ext>
                 </a:extLst>
               </a:tr>
@@ -24458,7 +24458,7 @@
                 </a:tc>
                 <a:extLst>
                   <a:ext uri="{0D108BD9-81ED-4DB2-BD59-A6C34878D82A}">
-                    <a16:rowId xmlns:a16="http://schemas.microsoft.com/office/drawing/2014/main" val="1903746666"/>
+                    <a16:rowId xmlns:a16="http://schemas.microsoft.com/office/drawing/2014/main" xmlns="" val="1903746666"/>
                   </a:ext>
                 </a:extLst>
               </a:tr>
@@ -24479,7 +24479,7 @@
   <p:timing>
     <p:tnLst>
       <p:par>
-        <p:cTn id="1" dur="indefinite" restart="never" nodeType="tmRoot"/>
+        <p:cTn xmlns:p14="http://schemas.microsoft.com/office/powerpoint/2010/main" id="1" dur="indefinite" restart="never" nodeType="tmRoot"/>
       </p:par>
     </p:tnLst>
   </p:timing>
@@ -24611,7 +24611,7 @@
   <p:timing>
     <p:tnLst>
       <p:par>
-        <p:cTn id="1" dur="indefinite" restart="never" nodeType="tmRoot"/>
+        <p:cTn xmlns:p14="http://schemas.microsoft.com/office/powerpoint/2010/main" id="1" dur="indefinite" restart="never" nodeType="tmRoot"/>
       </p:par>
     </p:tnLst>
   </p:timing>
@@ -24743,7 +24743,7 @@
   <p:timing>
     <p:tnLst>
       <p:par>
-        <p:cTn id="1" dur="indefinite" restart="never" nodeType="tmRoot"/>
+        <p:cTn xmlns:p14="http://schemas.microsoft.com/office/powerpoint/2010/main" id="1" dur="indefinite" restart="never" nodeType="tmRoot"/>
       </p:par>
     </p:tnLst>
   </p:timing>
@@ -24885,14 +24885,14 @@
                 <a:gridCol w="1747711">
                   <a:extLst>
                     <a:ext uri="{9D8B030D-6E8A-4147-A177-3AD203B41FA5}">
-                      <a16:colId xmlns:a16="http://schemas.microsoft.com/office/drawing/2014/main" val="2067186096"/>
+                      <a16:colId xmlns:a16="http://schemas.microsoft.com/office/drawing/2014/main" xmlns="" val="2067186096"/>
                     </a:ext>
                   </a:extLst>
                 </a:gridCol>
                 <a:gridCol w="6012942">
                   <a:extLst>
                     <a:ext uri="{9D8B030D-6E8A-4147-A177-3AD203B41FA5}">
-                      <a16:colId xmlns:a16="http://schemas.microsoft.com/office/drawing/2014/main" val="3004943606"/>
+                      <a16:colId xmlns:a16="http://schemas.microsoft.com/office/drawing/2014/main" xmlns="" val="3004943606"/>
                     </a:ext>
                   </a:extLst>
                 </a:gridCol>
@@ -24963,7 +24963,7 @@
                 </a:tc>
                 <a:extLst>
                   <a:ext uri="{0D108BD9-81ED-4DB2-BD59-A6C34878D82A}">
-                    <a16:rowId xmlns:a16="http://schemas.microsoft.com/office/drawing/2014/main" val="2748466227"/>
+                    <a16:rowId xmlns:a16="http://schemas.microsoft.com/office/drawing/2014/main" xmlns="" val="2748466227"/>
                   </a:ext>
                 </a:extLst>
               </a:tr>
@@ -25033,7 +25033,7 @@
                 </a:tc>
                 <a:extLst>
                   <a:ext uri="{0D108BD9-81ED-4DB2-BD59-A6C34878D82A}">
-                    <a16:rowId xmlns:a16="http://schemas.microsoft.com/office/drawing/2014/main" val="2238736759"/>
+                    <a16:rowId xmlns:a16="http://schemas.microsoft.com/office/drawing/2014/main" xmlns="" val="2238736759"/>
                   </a:ext>
                 </a:extLst>
               </a:tr>
@@ -25103,7 +25103,7 @@
                 </a:tc>
                 <a:extLst>
                   <a:ext uri="{0D108BD9-81ED-4DB2-BD59-A6C34878D82A}">
-                    <a16:rowId xmlns:a16="http://schemas.microsoft.com/office/drawing/2014/main" val="1385958006"/>
+                    <a16:rowId xmlns:a16="http://schemas.microsoft.com/office/drawing/2014/main" xmlns="" val="1385958006"/>
                   </a:ext>
                 </a:extLst>
               </a:tr>
@@ -25173,7 +25173,7 @@
                 </a:tc>
                 <a:extLst>
                   <a:ext uri="{0D108BD9-81ED-4DB2-BD59-A6C34878D82A}">
-                    <a16:rowId xmlns:a16="http://schemas.microsoft.com/office/drawing/2014/main" val="4072881246"/>
+                    <a16:rowId xmlns:a16="http://schemas.microsoft.com/office/drawing/2014/main" xmlns="" val="4072881246"/>
                   </a:ext>
                 </a:extLst>
               </a:tr>
@@ -25243,7 +25243,7 @@
                 </a:tc>
                 <a:extLst>
                   <a:ext uri="{0D108BD9-81ED-4DB2-BD59-A6C34878D82A}">
-                    <a16:rowId xmlns:a16="http://schemas.microsoft.com/office/drawing/2014/main" val="726278234"/>
+                    <a16:rowId xmlns:a16="http://schemas.microsoft.com/office/drawing/2014/main" xmlns="" val="726278234"/>
                   </a:ext>
                 </a:extLst>
               </a:tr>
@@ -25313,7 +25313,7 @@
                 </a:tc>
                 <a:extLst>
                   <a:ext uri="{0D108BD9-81ED-4DB2-BD59-A6C34878D82A}">
-                    <a16:rowId xmlns:a16="http://schemas.microsoft.com/office/drawing/2014/main" val="1903746666"/>
+                    <a16:rowId xmlns:a16="http://schemas.microsoft.com/office/drawing/2014/main" xmlns="" val="1903746666"/>
                   </a:ext>
                 </a:extLst>
               </a:tr>
@@ -25334,7 +25334,7 @@
   <p:timing>
     <p:tnLst>
       <p:par>
-        <p:cTn id="1" dur="indefinite" restart="never" nodeType="tmRoot"/>
+        <p:cTn xmlns:p14="http://schemas.microsoft.com/office/powerpoint/2010/main" id="1" dur="indefinite" restart="never" nodeType="tmRoot"/>
       </p:par>
     </p:tnLst>
   </p:timing>
@@ -25603,7 +25603,7 @@
   <a:extraClrSchemeLst/>
   <a:extLst>
     <a:ext uri="{05A4C25C-085E-4340-85A3-A5531E510DB2}">
-      <thm15:themeFamily xmlns:thm15="http://schemas.microsoft.com/office/thememl/2012/main" name="Integral" id="{3577F8C9-A904-41D8-97D2-FD898F53F20E}" vid="{682D6EBE-8D36-4FF2-9DB3-F3D8D7B6715D}"/>
+      <thm15:themeFamily xmlns:thm15="http://schemas.microsoft.com/office/thememl/2012/main" xmlns="" name="Integral" id="{3577F8C9-A904-41D8-97D2-FD898F53F20E}" vid="{682D6EBE-8D36-4FF2-9DB3-F3D8D7B6715D}"/>
     </a:ext>
   </a:extLst>
 </a:theme>
@@ -25864,7 +25864,7 @@
   <a:extraClrSchemeLst/>
   <a:extLst>
     <a:ext uri="{05A4C25C-085E-4340-85A3-A5531E510DB2}">
-      <thm15:themeFamily xmlns:thm15="http://schemas.microsoft.com/office/thememl/2012/main" name="Office Theme" id="{62F939B6-93AF-4DB8-9C6B-D6C7DFDC589F}" vid="{4A3C46E8-61CC-4603-A589-7422A47A8E4A}"/>
+      <thm15:themeFamily xmlns:thm15="http://schemas.microsoft.com/office/thememl/2012/main" xmlns="" name="Office Theme" id="{62F939B6-93AF-4DB8-9C6B-D6C7DFDC589F}" vid="{4A3C46E8-61CC-4603-A589-7422A47A8E4A}"/>
     </a:ext>
   </a:extLst>
 </a:theme>
